--- a/slide/Air Gap Systems.pptx
+++ b/slide/Air Gap Systems.pptx
@@ -266,7 +266,7 @@
           <a:p>
             <a:fld id="{59088EAF-6ECA-4616-85EF-35AA19C641F3}" type="datetimeFigureOut">
               <a:rPr lang="en-US"/>
-              <a:t>02-Oct-20</a:t>
+              <a:t>2020-10-06</a:t>
             </a:fld>
             <a:endParaRPr/>
           </a:p>
@@ -431,7 +431,7 @@
           <a:p>
             <a:fld id="{3ABD2D7A-D230-4F91-BD59-0A39C2703BA8}" type="datetimeFigureOut">
               <a:rPr lang="en-US"/>
-              <a:t>02-Oct-20</a:t>
+              <a:t>2020-10-06</a:t>
             </a:fld>
             <a:endParaRPr/>
           </a:p>
@@ -4114,7 +4114,7 @@
           <p:cNvPr id="2" name="Title 1">
             <a:extLst>
               <a:ext uri="{FF2B5EF4-FFF2-40B4-BE49-F238E27FC236}">
-                <a16:creationId xmlns:a16="http://schemas.microsoft.com/office/drawing/2014/main" id="{E6593103-16EE-4D0E-94DA-D14C73BD5BEE}"/>
+                <a16:creationId xmlns:a16="http://schemas.microsoft.com/office/drawing/2014/main" xmlns="" id="{E6593103-16EE-4D0E-94DA-D14C73BD5BEE}"/>
               </a:ext>
             </a:extLst>
           </p:cNvPr>
@@ -4149,7 +4149,7 @@
           <p:cNvPr id="3" name="Content Placeholder 2">
             <a:extLst>
               <a:ext uri="{FF2B5EF4-FFF2-40B4-BE49-F238E27FC236}">
-                <a16:creationId xmlns:a16="http://schemas.microsoft.com/office/drawing/2014/main" id="{13AC8AE4-3F4A-4E15-9C5C-3E5C2437ADD4}"/>
+                <a16:creationId xmlns:a16="http://schemas.microsoft.com/office/drawing/2014/main" xmlns="" id="{13AC8AE4-3F4A-4E15-9C5C-3E5C2437ADD4}"/>
               </a:ext>
             </a:extLst>
           </p:cNvPr>
@@ -4168,7 +4168,7 @@
         </p:spPr>
         <p:txBody>
           <a:bodyPr vert="horz" lIns="91440" tIns="45720" rIns="91440" bIns="45720" rtlCol="0">
-            <a:normAutofit lnSpcReduction="10000"/>
+            <a:normAutofit/>
           </a:bodyPr>
           <a:lstStyle/>
           <a:p>
@@ -4179,10 +4179,16 @@
               <a:buNone/>
             </a:pPr>
             <a:r>
+              <a:rPr lang="en-US" altLang="fa-IR" dirty="0" smtClean="0">
+                <a:latin typeface="Sitka Banner" panose="02000505000000020004" pitchFamily="2" charset="0"/>
+              </a:rPr>
+              <a:t>Do </a:t>
+            </a:r>
+            <a:r>
               <a:rPr lang="en-US" altLang="fa-IR" dirty="0">
                 <a:latin typeface="Sitka Banner" panose="02000505000000020004" pitchFamily="2" charset="0"/>
               </a:rPr>
-              <a:t>Here’s a good example from pop culture. Do you remember the scene from the movie </a:t>
+              <a:t>you remember the scene from the movie </a:t>
             </a:r>
             <a:r>
               <a:rPr lang="en-US" altLang="fa-IR" i="1" dirty="0">
@@ -4268,7 +4274,7 @@
           <p:cNvPr id="9" name="Picture 8">
             <a:extLst>
               <a:ext uri="{FF2B5EF4-FFF2-40B4-BE49-F238E27FC236}">
-                <a16:creationId xmlns:a16="http://schemas.microsoft.com/office/drawing/2014/main" id="{289E43AF-9420-4240-BAB3-DE146BDA3484}"/>
+                <a16:creationId xmlns:a16="http://schemas.microsoft.com/office/drawing/2014/main" xmlns="" id="{289E43AF-9420-4240-BAB3-DE146BDA3484}"/>
               </a:ext>
             </a:extLst>
           </p:cNvPr>
@@ -4320,7 +4326,7 @@
           <p:cNvPr id="11" name="Slide Number Placeholder 10">
             <a:extLst>
               <a:ext uri="{FF2B5EF4-FFF2-40B4-BE49-F238E27FC236}">
-                <a16:creationId xmlns:a16="http://schemas.microsoft.com/office/drawing/2014/main" id="{1F165276-F076-4365-AC25-2E4DBE38CB8D}"/>
+                <a16:creationId xmlns:a16="http://schemas.microsoft.com/office/drawing/2014/main" xmlns="" id="{1F165276-F076-4365-AC25-2E4DBE38CB8D}"/>
               </a:ext>
             </a:extLst>
           </p:cNvPr>
@@ -4360,7 +4366,7 @@
     <a:masterClrMapping/>
   </p:clrMapOvr>
   <mc:AlternateContent xmlns:mc="http://schemas.openxmlformats.org/markup-compatibility/2006">
-    <mc:Choice xmlns:p159="http://schemas.microsoft.com/office/powerpoint/2015/09/main" Requires="p159">
+    <mc:Choice xmlns:p159="http://schemas.microsoft.com/office/powerpoint/2015/09/main" xmlns="" Requires="p159">
       <p:transition xmlns:p14="http://schemas.microsoft.com/office/powerpoint/2010/main" spd="slow" p14:dur="2000">
         <p159:morph option="byObject"/>
       </p:transition>
@@ -4396,7 +4402,7 @@
           <p:cNvPr id="2" name="Title 1">
             <a:extLst>
               <a:ext uri="{FF2B5EF4-FFF2-40B4-BE49-F238E27FC236}">
-                <a16:creationId xmlns:a16="http://schemas.microsoft.com/office/drawing/2014/main" id="{64681303-908F-48C5-9D84-4AEDB5D9E8F2}"/>
+                <a16:creationId xmlns:a16="http://schemas.microsoft.com/office/drawing/2014/main" xmlns="" id="{64681303-908F-48C5-9D84-4AEDB5D9E8F2}"/>
               </a:ext>
             </a:extLst>
           </p:cNvPr>
@@ -4432,7 +4438,7 @@
           <p:cNvPr id="3" name="Content Placeholder 2">
             <a:extLst>
               <a:ext uri="{FF2B5EF4-FFF2-40B4-BE49-F238E27FC236}">
-                <a16:creationId xmlns:a16="http://schemas.microsoft.com/office/drawing/2014/main" id="{9205F709-63F9-44B6-AF77-E85C7D10D4D1}"/>
+                <a16:creationId xmlns:a16="http://schemas.microsoft.com/office/drawing/2014/main" xmlns="" id="{9205F709-63F9-44B6-AF77-E85C7D10D4D1}"/>
               </a:ext>
             </a:extLst>
           </p:cNvPr>
@@ -4589,7 +4595,7 @@
           <p:cNvPr id="6" name="Slide Number Placeholder 5">
             <a:extLst>
               <a:ext uri="{FF2B5EF4-FFF2-40B4-BE49-F238E27FC236}">
-                <a16:creationId xmlns:a16="http://schemas.microsoft.com/office/drawing/2014/main" id="{DA776D57-5186-4C1C-A9A3-63F756D62664}"/>
+                <a16:creationId xmlns:a16="http://schemas.microsoft.com/office/drawing/2014/main" xmlns="" id="{DA776D57-5186-4C1C-A9A3-63F756D62664}"/>
               </a:ext>
             </a:extLst>
           </p:cNvPr>
@@ -4665,7 +4671,7 @@
           <p:cNvPr id="2" name="Title 1">
             <a:extLst>
               <a:ext uri="{FF2B5EF4-FFF2-40B4-BE49-F238E27FC236}">
-                <a16:creationId xmlns:a16="http://schemas.microsoft.com/office/drawing/2014/main" id="{878BDDF2-F293-4D2A-8F37-18DB57792DE0}"/>
+                <a16:creationId xmlns:a16="http://schemas.microsoft.com/office/drawing/2014/main" xmlns="" id="{878BDDF2-F293-4D2A-8F37-18DB57792DE0}"/>
               </a:ext>
             </a:extLst>
           </p:cNvPr>
@@ -4698,7 +4704,7 @@
           <p:cNvPr id="3" name="Text Placeholder 2">
             <a:extLst>
               <a:ext uri="{FF2B5EF4-FFF2-40B4-BE49-F238E27FC236}">
-                <a16:creationId xmlns:a16="http://schemas.microsoft.com/office/drawing/2014/main" id="{EF9276CD-6277-44E6-81D5-3EAA152C2058}"/>
+                <a16:creationId xmlns:a16="http://schemas.microsoft.com/office/drawing/2014/main" xmlns="" id="{EF9276CD-6277-44E6-81D5-3EAA152C2058}"/>
               </a:ext>
             </a:extLst>
           </p:cNvPr>
@@ -4723,7 +4729,7 @@
           <p:cNvPr id="6" name="Slide Number Placeholder 5">
             <a:extLst>
               <a:ext uri="{FF2B5EF4-FFF2-40B4-BE49-F238E27FC236}">
-                <a16:creationId xmlns:a16="http://schemas.microsoft.com/office/drawing/2014/main" id="{E1640AEB-71E6-4D4F-92AE-6A407637F308}"/>
+                <a16:creationId xmlns:a16="http://schemas.microsoft.com/office/drawing/2014/main" xmlns="" id="{E1640AEB-71E6-4D4F-92AE-6A407637F308}"/>
               </a:ext>
             </a:extLst>
           </p:cNvPr>
@@ -4794,7 +4800,7 @@
           <p:cNvPr id="2" name="Title 1">
             <a:extLst>
               <a:ext uri="{FF2B5EF4-FFF2-40B4-BE49-F238E27FC236}">
-                <a16:creationId xmlns:a16="http://schemas.microsoft.com/office/drawing/2014/main" id="{353B007E-27FA-4C76-8DC4-46A5755B025B}"/>
+                <a16:creationId xmlns:a16="http://schemas.microsoft.com/office/drawing/2014/main" xmlns="" id="{353B007E-27FA-4C76-8DC4-46A5755B025B}"/>
               </a:ext>
             </a:extLst>
           </p:cNvPr>
@@ -4830,7 +4836,7 @@
           <p:cNvPr id="3" name="Content Placeholder 2">
             <a:extLst>
               <a:ext uri="{FF2B5EF4-FFF2-40B4-BE49-F238E27FC236}">
-                <a16:creationId xmlns:a16="http://schemas.microsoft.com/office/drawing/2014/main" id="{D0E14509-49B9-4473-A592-F055BDFDB31B}"/>
+                <a16:creationId xmlns:a16="http://schemas.microsoft.com/office/drawing/2014/main" xmlns="" id="{D0E14509-49B9-4473-A592-F055BDFDB31B}"/>
               </a:ext>
             </a:extLst>
           </p:cNvPr>
@@ -4897,7 +4903,7 @@
           <p:cNvPr id="5" name="TextBox 4">
             <a:extLst>
               <a:ext uri="{FF2B5EF4-FFF2-40B4-BE49-F238E27FC236}">
-                <a16:creationId xmlns:a16="http://schemas.microsoft.com/office/drawing/2014/main" id="{8CBAD1F5-CC3F-4050-85BF-3059BE44E29F}"/>
+                <a16:creationId xmlns:a16="http://schemas.microsoft.com/office/drawing/2014/main" xmlns="" id="{8CBAD1F5-CC3F-4050-85BF-3059BE44E29F}"/>
               </a:ext>
             </a:extLst>
           </p:cNvPr>
@@ -4966,7 +4972,7 @@
           <p:cNvPr id="7" name="Slide Number Placeholder 6">
             <a:extLst>
               <a:ext uri="{FF2B5EF4-FFF2-40B4-BE49-F238E27FC236}">
-                <a16:creationId xmlns:a16="http://schemas.microsoft.com/office/drawing/2014/main" id="{C1E76C18-38A1-4C07-A94A-22BF3C40F963}"/>
+                <a16:creationId xmlns:a16="http://schemas.microsoft.com/office/drawing/2014/main" xmlns="" id="{C1E76C18-38A1-4C07-A94A-22BF3C40F963}"/>
               </a:ext>
             </a:extLst>
           </p:cNvPr>
@@ -5006,7 +5012,7 @@
     <a:masterClrMapping/>
   </p:clrMapOvr>
   <mc:AlternateContent xmlns:mc="http://schemas.openxmlformats.org/markup-compatibility/2006">
-    <mc:Choice xmlns:p159="http://schemas.microsoft.com/office/powerpoint/2015/09/main" Requires="p159">
+    <mc:Choice xmlns:p159="http://schemas.microsoft.com/office/powerpoint/2015/09/main" xmlns="" Requires="p159">
       <p:transition xmlns:p14="http://schemas.microsoft.com/office/powerpoint/2010/main" spd="slow" p14:dur="2000">
         <p159:morph option="byObject"/>
       </p:transition>
@@ -5254,7 +5260,7 @@
           <p:cNvPr id="2" name="Title 1">
             <a:extLst>
               <a:ext uri="{FF2B5EF4-FFF2-40B4-BE49-F238E27FC236}">
-                <a16:creationId xmlns:a16="http://schemas.microsoft.com/office/drawing/2014/main" id="{9EE5734B-D87D-494D-AE9C-F061C091989B}"/>
+                <a16:creationId xmlns:a16="http://schemas.microsoft.com/office/drawing/2014/main" xmlns="" id="{9EE5734B-D87D-494D-AE9C-F061C091989B}"/>
               </a:ext>
             </a:extLst>
           </p:cNvPr>
@@ -5290,7 +5296,7 @@
           <p:cNvPr id="3" name="Content Placeholder 2">
             <a:extLst>
               <a:ext uri="{FF2B5EF4-FFF2-40B4-BE49-F238E27FC236}">
-                <a16:creationId xmlns:a16="http://schemas.microsoft.com/office/drawing/2014/main" id="{D4ACD8DD-37A8-4185-84B4-45A1F93507AD}"/>
+                <a16:creationId xmlns:a16="http://schemas.microsoft.com/office/drawing/2014/main" xmlns="" id="{D4ACD8DD-37A8-4185-84B4-45A1F93507AD}"/>
               </a:ext>
             </a:extLst>
           </p:cNvPr>
@@ -5336,7 +5342,7 @@
           <p:cNvPr id="10" name="Picture 9">
             <a:extLst>
               <a:ext uri="{FF2B5EF4-FFF2-40B4-BE49-F238E27FC236}">
-                <a16:creationId xmlns:a16="http://schemas.microsoft.com/office/drawing/2014/main" id="{4FE1B15E-105B-4B97-AFA1-150C4C604AD4}"/>
+                <a16:creationId xmlns:a16="http://schemas.microsoft.com/office/drawing/2014/main" xmlns="" id="{4FE1B15E-105B-4B97-AFA1-150C4C604AD4}"/>
               </a:ext>
             </a:extLst>
           </p:cNvPr>
@@ -5388,7 +5394,7 @@
           <p:cNvPr id="12" name="Slide Number Placeholder 11">
             <a:extLst>
               <a:ext uri="{FF2B5EF4-FFF2-40B4-BE49-F238E27FC236}">
-                <a16:creationId xmlns:a16="http://schemas.microsoft.com/office/drawing/2014/main" id="{B9377FD8-F15E-4F21-B6F9-6C0F14BB2591}"/>
+                <a16:creationId xmlns:a16="http://schemas.microsoft.com/office/drawing/2014/main" xmlns="" id="{B9377FD8-F15E-4F21-B6F9-6C0F14BB2591}"/>
               </a:ext>
             </a:extLst>
           </p:cNvPr>
@@ -5464,7 +5470,7 @@
           <p:cNvPr id="2" name="Title 1">
             <a:extLst>
               <a:ext uri="{FF2B5EF4-FFF2-40B4-BE49-F238E27FC236}">
-                <a16:creationId xmlns:a16="http://schemas.microsoft.com/office/drawing/2014/main" id="{09C6AB96-8F8A-4E05-8356-220B5A8B05E0}"/>
+                <a16:creationId xmlns:a16="http://schemas.microsoft.com/office/drawing/2014/main" xmlns="" id="{09C6AB96-8F8A-4E05-8356-220B5A8B05E0}"/>
               </a:ext>
             </a:extLst>
           </p:cNvPr>
@@ -5499,7 +5505,7 @@
           <p:cNvPr id="3" name="Content Placeholder 2">
             <a:extLst>
               <a:ext uri="{FF2B5EF4-FFF2-40B4-BE49-F238E27FC236}">
-                <a16:creationId xmlns:a16="http://schemas.microsoft.com/office/drawing/2014/main" id="{418C6E46-85A3-4601-9529-1194193FD5CC}"/>
+                <a16:creationId xmlns:a16="http://schemas.microsoft.com/office/drawing/2014/main" xmlns="" id="{418C6E46-85A3-4601-9529-1194193FD5CC}"/>
               </a:ext>
             </a:extLst>
           </p:cNvPr>
@@ -5522,10 +5528,16 @@
               <a:buNone/>
             </a:pPr>
             <a:r>
-              <a:rPr lang="en-US" dirty="0">
+              <a:rPr lang="en-US" b="1" dirty="0" smtClean="0">
+                <a:solidFill>
+                  <a:schemeClr val="accent1">
+                    <a:lumMod val="20000"/>
+                    <a:lumOff val="80000"/>
+                  </a:schemeClr>
+                </a:solidFill>
                 <a:latin typeface="Sitka Banner" panose="02000505000000020004" pitchFamily="2" charset="0"/>
               </a:rPr>
-              <a:t>Good old fashioned </a:t>
+              <a:t>Social </a:t>
             </a:r>
             <a:r>
               <a:rPr lang="en-US" b="1" dirty="0">
@@ -5537,7 +5549,7 @@
                 </a:solidFill>
                 <a:latin typeface="Sitka Banner" panose="02000505000000020004" pitchFamily="2" charset="0"/>
               </a:rPr>
-              <a:t>social engineering</a:t>
+              <a:t>engineering</a:t>
             </a:r>
             <a:r>
               <a:rPr lang="en-US" dirty="0">
@@ -5569,7 +5581,19 @@
               <a:rPr lang="en-US" dirty="0">
                 <a:latin typeface="Sitka Banner" panose="02000505000000020004" pitchFamily="2" charset="0"/>
               </a:rPr>
-              <a:t>That’s the easy way.</a:t>
+              <a:t>That’s the </a:t>
+            </a:r>
+            <a:r>
+              <a:rPr lang="en-US" dirty="0" smtClean="0">
+                <a:latin typeface="Sitka Banner" panose="02000505000000020004" pitchFamily="2" charset="0"/>
+              </a:rPr>
+              <a:t>easiest </a:t>
+            </a:r>
+            <a:r>
+              <a:rPr lang="en-US" dirty="0">
+                <a:latin typeface="Sitka Banner" panose="02000505000000020004" pitchFamily="2" charset="0"/>
+              </a:rPr>
+              <a:t>way.</a:t>
             </a:r>
           </a:p>
           <a:p>
@@ -5587,7 +5611,7 @@
           <p:cNvPr id="6" name="Slide Number Placeholder 5">
             <a:extLst>
               <a:ext uri="{FF2B5EF4-FFF2-40B4-BE49-F238E27FC236}">
-                <a16:creationId xmlns:a16="http://schemas.microsoft.com/office/drawing/2014/main" id="{93419482-AC62-4199-9BA9-58C8A915AA9E}"/>
+                <a16:creationId xmlns:a16="http://schemas.microsoft.com/office/drawing/2014/main" xmlns="" id="{93419482-AC62-4199-9BA9-58C8A915AA9E}"/>
               </a:ext>
             </a:extLst>
           </p:cNvPr>
@@ -5663,7 +5687,7 @@
           <p:cNvPr id="3" name="Content Placeholder 2">
             <a:extLst>
               <a:ext uri="{FF2B5EF4-FFF2-40B4-BE49-F238E27FC236}">
-                <a16:creationId xmlns:a16="http://schemas.microsoft.com/office/drawing/2014/main" id="{620E57BB-E8EC-40F3-9510-2FE8AE527772}"/>
+                <a16:creationId xmlns:a16="http://schemas.microsoft.com/office/drawing/2014/main" xmlns="" id="{620E57BB-E8EC-40F3-9510-2FE8AE527772}"/>
               </a:ext>
             </a:extLst>
           </p:cNvPr>
@@ -5740,7 +5764,7 @@
           <p:cNvPr id="5" name="Title 1">
             <a:extLst>
               <a:ext uri="{FF2B5EF4-FFF2-40B4-BE49-F238E27FC236}">
-                <a16:creationId xmlns:a16="http://schemas.microsoft.com/office/drawing/2014/main" id="{E8AC6BB9-E5FB-47B7-990A-ABD6CB5902C9}"/>
+                <a16:creationId xmlns:a16="http://schemas.microsoft.com/office/drawing/2014/main" xmlns="" id="{E8AC6BB9-E5FB-47B7-990A-ABD6CB5902C9}"/>
               </a:ext>
             </a:extLst>
           </p:cNvPr>
@@ -5778,7 +5802,7 @@
           <p:cNvPr id="7" name="Slide Number Placeholder 6">
             <a:extLst>
               <a:ext uri="{FF2B5EF4-FFF2-40B4-BE49-F238E27FC236}">
-                <a16:creationId xmlns:a16="http://schemas.microsoft.com/office/drawing/2014/main" id="{7EF8849A-04EE-40D3-A6B9-E3457594C6AD}"/>
+                <a16:creationId xmlns:a16="http://schemas.microsoft.com/office/drawing/2014/main" xmlns="" id="{7EF8849A-04EE-40D3-A6B9-E3457594C6AD}"/>
               </a:ext>
             </a:extLst>
           </p:cNvPr>
@@ -5854,7 +5878,7 @@
           <p:cNvPr id="2" name="Title 1">
             <a:extLst>
               <a:ext uri="{FF2B5EF4-FFF2-40B4-BE49-F238E27FC236}">
-                <a16:creationId xmlns:a16="http://schemas.microsoft.com/office/drawing/2014/main" id="{E3F4A8DE-FFCE-43B7-B2A4-F5112CFD441B}"/>
+                <a16:creationId xmlns:a16="http://schemas.microsoft.com/office/drawing/2014/main" xmlns="" id="{E3F4A8DE-FFCE-43B7-B2A4-F5112CFD441B}"/>
               </a:ext>
             </a:extLst>
           </p:cNvPr>
@@ -5901,7 +5925,7 @@
           <p:cNvPr id="3" name="Content Placeholder 2">
             <a:extLst>
               <a:ext uri="{FF2B5EF4-FFF2-40B4-BE49-F238E27FC236}">
-                <a16:creationId xmlns:a16="http://schemas.microsoft.com/office/drawing/2014/main" id="{6D3EBD16-68F3-4D59-BF6F-E0137C53443F}"/>
+                <a16:creationId xmlns:a16="http://schemas.microsoft.com/office/drawing/2014/main" xmlns="" id="{6D3EBD16-68F3-4D59-BF6F-E0137C53443F}"/>
               </a:ext>
             </a:extLst>
           </p:cNvPr>
@@ -5931,10 +5955,16 @@
               <a:buNone/>
             </a:pPr>
             <a:r>
+              <a:rPr lang="en-US" dirty="0" smtClean="0">
+                <a:latin typeface="Sitka Banner" panose="02000505000000020004" pitchFamily="2" charset="0"/>
+              </a:rPr>
+              <a:t>	One </a:t>
+            </a:r>
+            <a:r>
               <a:rPr lang="en-US" dirty="0">
                 <a:latin typeface="Sitka Banner" panose="02000505000000020004" pitchFamily="2" charset="0"/>
               </a:rPr>
-              <a:t>One of the most famous cases involving the infection of an air-gapped system is </a:t>
+              <a:t>of the most famous cases involving the infection of an air-gapped system is </a:t>
             </a:r>
             <a:r>
               <a:rPr lang="en-US" i="1" dirty="0">
@@ -6001,7 +6031,7 @@
           <p:cNvPr id="6" name="Slide Number Placeholder 5">
             <a:extLst>
               <a:ext uri="{FF2B5EF4-FFF2-40B4-BE49-F238E27FC236}">
-                <a16:creationId xmlns:a16="http://schemas.microsoft.com/office/drawing/2014/main" id="{C2AD3CCD-EE2A-4B40-B81E-9B47F27376E4}"/>
+                <a16:creationId xmlns:a16="http://schemas.microsoft.com/office/drawing/2014/main" xmlns="" id="{C2AD3CCD-EE2A-4B40-B81E-9B47F27376E4}"/>
               </a:ext>
             </a:extLst>
           </p:cNvPr>
@@ -6077,7 +6107,7 @@
           <p:cNvPr id="2" name="Title 1">
             <a:extLst>
               <a:ext uri="{FF2B5EF4-FFF2-40B4-BE49-F238E27FC236}">
-                <a16:creationId xmlns:a16="http://schemas.microsoft.com/office/drawing/2014/main" id="{6F3441CF-7F8A-4D9C-B276-AB5FC627D779}"/>
+                <a16:creationId xmlns:a16="http://schemas.microsoft.com/office/drawing/2014/main" xmlns="" id="{6F3441CF-7F8A-4D9C-B276-AB5FC627D779}"/>
               </a:ext>
             </a:extLst>
           </p:cNvPr>
@@ -6110,7 +6140,7 @@
           <p:cNvPr id="3" name="Text Placeholder 2">
             <a:extLst>
               <a:ext uri="{FF2B5EF4-FFF2-40B4-BE49-F238E27FC236}">
-                <a16:creationId xmlns:a16="http://schemas.microsoft.com/office/drawing/2014/main" id="{BB38015B-336A-4925-87FB-963334C00626}"/>
+                <a16:creationId xmlns:a16="http://schemas.microsoft.com/office/drawing/2014/main" xmlns="" id="{BB38015B-336A-4925-87FB-963334C00626}"/>
               </a:ext>
             </a:extLst>
           </p:cNvPr>
@@ -6135,7 +6165,7 @@
           <p:cNvPr id="6" name="Slide Number Placeholder 5">
             <a:extLst>
               <a:ext uri="{FF2B5EF4-FFF2-40B4-BE49-F238E27FC236}">
-                <a16:creationId xmlns:a16="http://schemas.microsoft.com/office/drawing/2014/main" id="{3BB54E30-6293-4B43-80A7-5A5D4C0B97A7}"/>
+                <a16:creationId xmlns:a16="http://schemas.microsoft.com/office/drawing/2014/main" xmlns="" id="{3BB54E30-6293-4B43-80A7-5A5D4C0B97A7}"/>
               </a:ext>
             </a:extLst>
           </p:cNvPr>
@@ -6206,7 +6236,7 @@
           <p:cNvPr id="2" name="Title 1">
             <a:extLst>
               <a:ext uri="{FF2B5EF4-FFF2-40B4-BE49-F238E27FC236}">
-                <a16:creationId xmlns:a16="http://schemas.microsoft.com/office/drawing/2014/main" id="{B69087F6-0018-4BEB-9FCD-84302D11A8B6}"/>
+                <a16:creationId xmlns:a16="http://schemas.microsoft.com/office/drawing/2014/main" xmlns="" id="{B69087F6-0018-4BEB-9FCD-84302D11A8B6}"/>
               </a:ext>
             </a:extLst>
           </p:cNvPr>
@@ -6242,7 +6272,7 @@
           <p:cNvPr id="3" name="Content Placeholder 2">
             <a:extLst>
               <a:ext uri="{FF2B5EF4-FFF2-40B4-BE49-F238E27FC236}">
-                <a16:creationId xmlns:a16="http://schemas.microsoft.com/office/drawing/2014/main" id="{718C16F0-0D16-4084-B96A-5ADEC3569403}"/>
+                <a16:creationId xmlns:a16="http://schemas.microsoft.com/office/drawing/2014/main" xmlns="" id="{718C16F0-0D16-4084-B96A-5ADEC3569403}"/>
               </a:ext>
             </a:extLst>
           </p:cNvPr>
@@ -6256,7 +6286,7 @@
         <p:spPr>
           <a:xfrm>
             <a:off x="1522413" y="2019299"/>
-            <a:ext cx="9134391" cy="4114801"/>
+            <a:ext cx="10134599" cy="4114801"/>
           </a:xfrm>
         </p:spPr>
         <p:txBody>
@@ -6270,7 +6300,19 @@
               <a:rPr lang="en-US" i="1" dirty="0">
                 <a:latin typeface="Sitka Banner" panose="02000505000000020004" pitchFamily="2" charset="0"/>
               </a:rPr>
-              <a:t>In theory, air-gapped networks seem like a great idea. In practice, it’s another story.</a:t>
+              <a:t>In theory, air-gapped networks seem like a great idea. In practice, it’s </a:t>
+            </a:r>
+            <a:r>
+              <a:rPr lang="en-US" i="1" dirty="0" smtClean="0">
+                <a:latin typeface="Sitka Banner" panose="02000505000000020004" pitchFamily="2" charset="0"/>
+              </a:rPr>
+              <a:t>another story</a:t>
+            </a:r>
+            <a:r>
+              <a:rPr lang="en-US" i="1" dirty="0">
+                <a:latin typeface="Sitka Banner" panose="02000505000000020004" pitchFamily="2" charset="0"/>
+              </a:rPr>
+              <a:t>.</a:t>
             </a:r>
           </a:p>
           <a:p>
@@ -6372,7 +6414,7 @@
           <p:cNvPr id="6" name="Picture 5">
             <a:extLst>
               <a:ext uri="{FF2B5EF4-FFF2-40B4-BE49-F238E27FC236}">
-                <a16:creationId xmlns:a16="http://schemas.microsoft.com/office/drawing/2014/main" id="{C362ED80-D912-4CA6-8A2D-866914FC4609}"/>
+                <a16:creationId xmlns:a16="http://schemas.microsoft.com/office/drawing/2014/main" xmlns="" id="{C362ED80-D912-4CA6-8A2D-866914FC4609}"/>
               </a:ext>
             </a:extLst>
           </p:cNvPr>
@@ -6424,7 +6466,7 @@
           <p:cNvPr id="8" name="Slide Number Placeholder 7">
             <a:extLst>
               <a:ext uri="{FF2B5EF4-FFF2-40B4-BE49-F238E27FC236}">
-                <a16:creationId xmlns:a16="http://schemas.microsoft.com/office/drawing/2014/main" id="{2A1D8830-F902-4C66-9944-4C1BBC605AB0}"/>
+                <a16:creationId xmlns:a16="http://schemas.microsoft.com/office/drawing/2014/main" xmlns="" id="{2A1D8830-F902-4C66-9944-4C1BBC605AB0}"/>
               </a:ext>
             </a:extLst>
           </p:cNvPr>
@@ -6464,7 +6506,7 @@
     <a:masterClrMapping/>
   </p:clrMapOvr>
   <mc:AlternateContent xmlns:mc="http://schemas.openxmlformats.org/markup-compatibility/2006">
-    <mc:Choice xmlns:p159="http://schemas.microsoft.com/office/powerpoint/2015/09/main" Requires="p159">
+    <mc:Choice xmlns:p159="http://schemas.microsoft.com/office/powerpoint/2015/09/main" xmlns="" Requires="p159">
       <p:transition xmlns:p14="http://schemas.microsoft.com/office/powerpoint/2010/main" spd="slow" p14:dur="2000">
         <p159:morph option="byObject"/>
       </p:transition>
@@ -6524,7 +6566,7 @@
           <p:cNvPr id="6" name="Content Placeholder 5">
             <a:extLst>
               <a:ext uri="{FF2B5EF4-FFF2-40B4-BE49-F238E27FC236}">
-                <a16:creationId xmlns:a16="http://schemas.microsoft.com/office/drawing/2014/main" id="{2E0F4C2B-D51B-4CD1-B2D8-77E40879AC23}"/>
+                <a16:creationId xmlns:a16="http://schemas.microsoft.com/office/drawing/2014/main" xmlns="" id="{2E0F4C2B-D51B-4CD1-B2D8-77E40879AC23}"/>
               </a:ext>
             </a:extLst>
           </p:cNvPr>
@@ -6611,7 +6653,7 @@
           <p:cNvPr id="3" name="Slide Number Placeholder 2">
             <a:extLst>
               <a:ext uri="{FF2B5EF4-FFF2-40B4-BE49-F238E27FC236}">
-                <a16:creationId xmlns:a16="http://schemas.microsoft.com/office/drawing/2014/main" id="{780B1A77-015D-4730-9EDE-7A5D51246536}"/>
+                <a16:creationId xmlns:a16="http://schemas.microsoft.com/office/drawing/2014/main" xmlns="" id="{780B1A77-015D-4730-9EDE-7A5D51246536}"/>
               </a:ext>
             </a:extLst>
           </p:cNvPr>
@@ -7295,7 +7337,7 @@
           <p:cNvPr id="2" name="Title 1">
             <a:extLst>
               <a:ext uri="{FF2B5EF4-FFF2-40B4-BE49-F238E27FC236}">
-                <a16:creationId xmlns:a16="http://schemas.microsoft.com/office/drawing/2014/main" id="{D9B32D47-C7B2-4D8F-8B6E-1FA604A218EC}"/>
+                <a16:creationId xmlns:a16="http://schemas.microsoft.com/office/drawing/2014/main" xmlns="" id="{D9B32D47-C7B2-4D8F-8B6E-1FA604A218EC}"/>
               </a:ext>
             </a:extLst>
           </p:cNvPr>
@@ -7328,7 +7370,7 @@
           <p:cNvPr id="3" name="Text Placeholder 2">
             <a:extLst>
               <a:ext uri="{FF2B5EF4-FFF2-40B4-BE49-F238E27FC236}">
-                <a16:creationId xmlns:a16="http://schemas.microsoft.com/office/drawing/2014/main" id="{17255B33-6931-40C4-81ED-EBD154E2609D}"/>
+                <a16:creationId xmlns:a16="http://schemas.microsoft.com/office/drawing/2014/main" xmlns="" id="{17255B33-6931-40C4-81ED-EBD154E2609D}"/>
               </a:ext>
             </a:extLst>
           </p:cNvPr>
@@ -7353,7 +7395,7 @@
           <p:cNvPr id="6" name="Slide Number Placeholder 5">
             <a:extLst>
               <a:ext uri="{FF2B5EF4-FFF2-40B4-BE49-F238E27FC236}">
-                <a16:creationId xmlns:a16="http://schemas.microsoft.com/office/drawing/2014/main" id="{28F8D599-397E-46EF-86F3-98C5800B5CB3}"/>
+                <a16:creationId xmlns:a16="http://schemas.microsoft.com/office/drawing/2014/main" xmlns="" id="{28F8D599-397E-46EF-86F3-98C5800B5CB3}"/>
               </a:ext>
             </a:extLst>
           </p:cNvPr>
@@ -7424,7 +7466,7 @@
           <p:cNvPr id="2" name="Title 1">
             <a:extLst>
               <a:ext uri="{FF2B5EF4-FFF2-40B4-BE49-F238E27FC236}">
-                <a16:creationId xmlns:a16="http://schemas.microsoft.com/office/drawing/2014/main" id="{00ABE1A2-C152-4676-9578-186A057D6843}"/>
+                <a16:creationId xmlns:a16="http://schemas.microsoft.com/office/drawing/2014/main" xmlns="" id="{00ABE1A2-C152-4676-9578-186A057D6843}"/>
               </a:ext>
             </a:extLst>
           </p:cNvPr>
@@ -7462,7 +7504,7 @@
           <p:cNvPr id="6" name="Graphic 5" descr="Male profile">
             <a:extLst>
               <a:ext uri="{FF2B5EF4-FFF2-40B4-BE49-F238E27FC236}">
-                <a16:creationId xmlns:a16="http://schemas.microsoft.com/office/drawing/2014/main" id="{B972A0EC-F8E2-4601-82B4-17E1FA9DFC24}"/>
+                <a16:creationId xmlns:a16="http://schemas.microsoft.com/office/drawing/2014/main" xmlns="" id="{B972A0EC-F8E2-4601-82B4-17E1FA9DFC24}"/>
               </a:ext>
             </a:extLst>
           </p:cNvPr>
@@ -7472,13 +7514,13 @@
           <p:nvPr/>
         </p:nvPicPr>
         <p:blipFill>
-          <a:blip r:embed="rId2">
+          <a:blip r:embed="rId2" cstate="print">
             <a:extLst>
               <a:ext uri="{28A0092B-C50C-407E-A947-70E740481C1C}">
                 <a14:useLocalDpi xmlns:a14="http://schemas.microsoft.com/office/drawing/2010/main" val="0"/>
               </a:ext>
               <a:ext uri="{96DAC541-7B7A-43D3-8B79-37D633B846F1}">
-                <asvg:svgBlip xmlns:asvg="http://schemas.microsoft.com/office/drawing/2016/SVG/main" r:embed="rId3"/>
+                <asvg:svgBlip xmlns:asvg="http://schemas.microsoft.com/office/drawing/2016/SVG/main" xmlns="" r:embed="rId3"/>
               </a:ext>
             </a:extLst>
           </a:blip>
@@ -7501,7 +7543,7 @@
           <p:cNvPr id="8" name="Graphic 7" descr="Male profile">
             <a:extLst>
               <a:ext uri="{FF2B5EF4-FFF2-40B4-BE49-F238E27FC236}">
-                <a16:creationId xmlns:a16="http://schemas.microsoft.com/office/drawing/2014/main" id="{2434FA12-75A3-4796-847B-D118B02DC1EF}"/>
+                <a16:creationId xmlns:a16="http://schemas.microsoft.com/office/drawing/2014/main" xmlns="" id="{2434FA12-75A3-4796-847B-D118B02DC1EF}"/>
               </a:ext>
             </a:extLst>
           </p:cNvPr>
@@ -7511,13 +7553,13 @@
           <p:nvPr/>
         </p:nvPicPr>
         <p:blipFill>
-          <a:blip r:embed="rId2">
+          <a:blip r:embed="rId2" cstate="print">
             <a:extLst>
               <a:ext uri="{28A0092B-C50C-407E-A947-70E740481C1C}">
                 <a14:useLocalDpi xmlns:a14="http://schemas.microsoft.com/office/drawing/2010/main" val="0"/>
               </a:ext>
               <a:ext uri="{96DAC541-7B7A-43D3-8B79-37D633B846F1}">
-                <asvg:svgBlip xmlns:asvg="http://schemas.microsoft.com/office/drawing/2016/SVG/main" r:embed="rId3"/>
+                <asvg:svgBlip xmlns:asvg="http://schemas.microsoft.com/office/drawing/2016/SVG/main" xmlns="" r:embed="rId3"/>
               </a:ext>
             </a:extLst>
           </a:blip>
@@ -7540,7 +7582,7 @@
           <p:cNvPr id="10" name="Text Placeholder 9">
             <a:extLst>
               <a:ext uri="{FF2B5EF4-FFF2-40B4-BE49-F238E27FC236}">
-                <a16:creationId xmlns:a16="http://schemas.microsoft.com/office/drawing/2014/main" id="{CDA55F93-1B4B-47C7-98F3-382722148CE9}"/>
+                <a16:creationId xmlns:a16="http://schemas.microsoft.com/office/drawing/2014/main" xmlns="" id="{CDA55F93-1B4B-47C7-98F3-382722148CE9}"/>
               </a:ext>
             </a:extLst>
           </p:cNvPr>
@@ -7581,7 +7623,7 @@
           <p:cNvPr id="11" name="Text Placeholder 9">
             <a:extLst>
               <a:ext uri="{FF2B5EF4-FFF2-40B4-BE49-F238E27FC236}">
-                <a16:creationId xmlns:a16="http://schemas.microsoft.com/office/drawing/2014/main" id="{43AD7926-D913-4FC8-B271-6C602663AB70}"/>
+                <a16:creationId xmlns:a16="http://schemas.microsoft.com/office/drawing/2014/main" xmlns="" id="{43AD7926-D913-4FC8-B271-6C602663AB70}"/>
               </a:ext>
             </a:extLst>
           </p:cNvPr>
@@ -7822,7 +7864,7 @@
           <p:cNvPr id="13" name="Slide Number Placeholder 12">
             <a:extLst>
               <a:ext uri="{FF2B5EF4-FFF2-40B4-BE49-F238E27FC236}">
-                <a16:creationId xmlns:a16="http://schemas.microsoft.com/office/drawing/2014/main" id="{5F14CB7B-3AD9-40E7-B6BF-76D865BCD86F}"/>
+                <a16:creationId xmlns:a16="http://schemas.microsoft.com/office/drawing/2014/main" xmlns="" id="{5F14CB7B-3AD9-40E7-B6BF-76D865BCD86F}"/>
               </a:ext>
             </a:extLst>
           </p:cNvPr>
@@ -7893,7 +7935,7 @@
           <p:cNvPr id="2" name="Title 1">
             <a:extLst>
               <a:ext uri="{FF2B5EF4-FFF2-40B4-BE49-F238E27FC236}">
-                <a16:creationId xmlns:a16="http://schemas.microsoft.com/office/drawing/2014/main" id="{973981C8-D9F7-4421-975F-64D5BD97EB0B}"/>
+                <a16:creationId xmlns:a16="http://schemas.microsoft.com/office/drawing/2014/main" xmlns="" id="{973981C8-D9F7-4421-975F-64D5BD97EB0B}"/>
               </a:ext>
             </a:extLst>
           </p:cNvPr>
@@ -7926,7 +7968,7 @@
           <p:cNvPr id="3" name="Text Placeholder 2">
             <a:extLst>
               <a:ext uri="{FF2B5EF4-FFF2-40B4-BE49-F238E27FC236}">
-                <a16:creationId xmlns:a16="http://schemas.microsoft.com/office/drawing/2014/main" id="{2A4D76D9-0F41-4F6F-B21E-1810BF58E828}"/>
+                <a16:creationId xmlns:a16="http://schemas.microsoft.com/office/drawing/2014/main" xmlns="" id="{2A4D76D9-0F41-4F6F-B21E-1810BF58E828}"/>
               </a:ext>
             </a:extLst>
           </p:cNvPr>
@@ -7951,7 +7993,7 @@
           <p:cNvPr id="6" name="Slide Number Placeholder 5">
             <a:extLst>
               <a:ext uri="{FF2B5EF4-FFF2-40B4-BE49-F238E27FC236}">
-                <a16:creationId xmlns:a16="http://schemas.microsoft.com/office/drawing/2014/main" id="{52DDB0B8-0FE5-4996-895F-61924B1C32CF}"/>
+                <a16:creationId xmlns:a16="http://schemas.microsoft.com/office/drawing/2014/main" xmlns="" id="{52DDB0B8-0FE5-4996-895F-61924B1C32CF}"/>
               </a:ext>
             </a:extLst>
           </p:cNvPr>
@@ -7985,13 +8027,13 @@
   <p:clrMapOvr>
     <a:masterClrMapping/>
   </p:clrMapOvr>
-  <mc:AlternateContent xmlns:mc="http://schemas.openxmlformats.org/markup-compatibility/2006">
-    <mc:Choice xmlns:p14="http://schemas.microsoft.com/office/powerpoint/2010/main" Requires="p14">
+  <mc:AlternateContent xmlns:mc="http://schemas.openxmlformats.org/markup-compatibility/2006" xmlns:p14="http://schemas.microsoft.com/office/powerpoint/2010/main">
+    <mc:Choice Requires="p14">
       <p:transition spd="med" p14:dur="700">
         <p:fade/>
       </p:transition>
     </mc:Choice>
-    <mc:Fallback>
+    <mc:Fallback xmlns="">
       <p:transition spd="med">
         <p:fade/>
       </p:transition>
@@ -8022,7 +8064,7 @@
           <p:cNvPr id="2" name="Title 1">
             <a:extLst>
               <a:ext uri="{FF2B5EF4-FFF2-40B4-BE49-F238E27FC236}">
-                <a16:creationId xmlns:a16="http://schemas.microsoft.com/office/drawing/2014/main" id="{7C9291F9-A64F-4733-B41C-078B67C93D8A}"/>
+                <a16:creationId xmlns:a16="http://schemas.microsoft.com/office/drawing/2014/main" xmlns="" id="{7C9291F9-A64F-4733-B41C-078B67C93D8A}"/>
               </a:ext>
             </a:extLst>
           </p:cNvPr>
@@ -8057,7 +8099,7 @@
           <p:cNvPr id="3" name="Content Placeholder 2">
             <a:extLst>
               <a:ext uri="{FF2B5EF4-FFF2-40B4-BE49-F238E27FC236}">
-                <a16:creationId xmlns:a16="http://schemas.microsoft.com/office/drawing/2014/main" id="{BF24C20B-F45D-40A8-8139-E0B3F6AAB6B9}"/>
+                <a16:creationId xmlns:a16="http://schemas.microsoft.com/office/drawing/2014/main" xmlns="" id="{BF24C20B-F45D-40A8-8139-E0B3F6AAB6B9}"/>
               </a:ext>
             </a:extLst>
           </p:cNvPr>
@@ -8151,7 +8193,7 @@
           <p:cNvPr id="6" name="Picture 5">
             <a:extLst>
               <a:ext uri="{FF2B5EF4-FFF2-40B4-BE49-F238E27FC236}">
-                <a16:creationId xmlns:a16="http://schemas.microsoft.com/office/drawing/2014/main" id="{69735D8C-89E2-4202-9810-7A60E34B0768}"/>
+                <a16:creationId xmlns:a16="http://schemas.microsoft.com/office/drawing/2014/main" xmlns="" id="{69735D8C-89E2-4202-9810-7A60E34B0768}"/>
               </a:ext>
             </a:extLst>
           </p:cNvPr>
@@ -8203,7 +8245,7 @@
           <p:cNvPr id="7" name="Slide Number Placeholder 6">
             <a:extLst>
               <a:ext uri="{FF2B5EF4-FFF2-40B4-BE49-F238E27FC236}">
-                <a16:creationId xmlns:a16="http://schemas.microsoft.com/office/drawing/2014/main" id="{3E2B43B2-73D4-4264-89A4-F75D8A59444E}"/>
+                <a16:creationId xmlns:a16="http://schemas.microsoft.com/office/drawing/2014/main" xmlns="" id="{3E2B43B2-73D4-4264-89A4-F75D8A59444E}"/>
               </a:ext>
             </a:extLst>
           </p:cNvPr>
@@ -8243,7 +8285,7 @@
     <a:masterClrMapping/>
   </p:clrMapOvr>
   <mc:AlternateContent xmlns:mc="http://schemas.openxmlformats.org/markup-compatibility/2006">
-    <mc:Choice xmlns:p159="http://schemas.microsoft.com/office/powerpoint/2015/09/main" Requires="p159">
+    <mc:Choice xmlns:p159="http://schemas.microsoft.com/office/powerpoint/2015/09/main" xmlns="" Requires="p159">
       <p:transition xmlns:p14="http://schemas.microsoft.com/office/powerpoint/2010/main" spd="slow" p14:dur="2000">
         <p159:morph option="byObject"/>
       </p:transition>
@@ -8279,7 +8321,7 @@
           <p:cNvPr id="2" name="Title 1">
             <a:extLst>
               <a:ext uri="{FF2B5EF4-FFF2-40B4-BE49-F238E27FC236}">
-                <a16:creationId xmlns:a16="http://schemas.microsoft.com/office/drawing/2014/main" id="{77723A0F-1147-4373-84FF-A3E055407B7F}"/>
+                <a16:creationId xmlns:a16="http://schemas.microsoft.com/office/drawing/2014/main" xmlns="" id="{77723A0F-1147-4373-84FF-A3E055407B7F}"/>
               </a:ext>
             </a:extLst>
           </p:cNvPr>
@@ -8314,7 +8356,7 @@
           <p:cNvPr id="3" name="Content Placeholder 2">
             <a:extLst>
               <a:ext uri="{FF2B5EF4-FFF2-40B4-BE49-F238E27FC236}">
-                <a16:creationId xmlns:a16="http://schemas.microsoft.com/office/drawing/2014/main" id="{4971C385-5B31-4E87-8711-258803FBC1C3}"/>
+                <a16:creationId xmlns:a16="http://schemas.microsoft.com/office/drawing/2014/main" xmlns="" id="{4971C385-5B31-4E87-8711-258803FBC1C3}"/>
               </a:ext>
             </a:extLst>
           </p:cNvPr>
@@ -8342,7 +8384,7 @@
               <a:rPr lang="en-US" dirty="0">
                 <a:latin typeface="Sitka Banner" panose="02000505000000020004" pitchFamily="2" charset="0"/>
               </a:rPr>
-              <a:t>The cost of damages due to system security breaches is projected to cost over $6 trillion by 2021. The sad truth is, when sophisticated attackers want to get access to your data, they leave no stone unturned to find a way.</a:t>
+              <a:t>The cost of damages due to system security breaches is projected to cost over $6 trillion by 2021. </a:t>
             </a:r>
             <a:endParaRPr lang="fa-IR" dirty="0">
               <a:latin typeface="Sitka Banner" panose="02000505000000020004" pitchFamily="2" charset="0"/>
@@ -8355,7 +8397,7 @@
           <p:cNvPr id="6" name="Picture 5">
             <a:extLst>
               <a:ext uri="{FF2B5EF4-FFF2-40B4-BE49-F238E27FC236}">
-                <a16:creationId xmlns:a16="http://schemas.microsoft.com/office/drawing/2014/main" id="{7C5E0D0E-B8CC-469E-B18C-911FC0440E92}"/>
+                <a16:creationId xmlns:a16="http://schemas.microsoft.com/office/drawing/2014/main" xmlns="" id="{7C5E0D0E-B8CC-469E-B18C-911FC0440E92}"/>
               </a:ext>
             </a:extLst>
           </p:cNvPr>
@@ -8407,7 +8449,7 @@
           <p:cNvPr id="7" name="TextBox 6">
             <a:extLst>
               <a:ext uri="{FF2B5EF4-FFF2-40B4-BE49-F238E27FC236}">
-                <a16:creationId xmlns:a16="http://schemas.microsoft.com/office/drawing/2014/main" id="{60EEDE5F-CCE5-40BF-96E2-1DDA5996AF5B}"/>
+                <a16:creationId xmlns:a16="http://schemas.microsoft.com/office/drawing/2014/main" xmlns="" id="{60EEDE5F-CCE5-40BF-96E2-1DDA5996AF5B}"/>
               </a:ext>
             </a:extLst>
           </p:cNvPr>
@@ -8453,7 +8495,7 @@
           <p:cNvPr id="8" name="Slide Number Placeholder 7">
             <a:extLst>
               <a:ext uri="{FF2B5EF4-FFF2-40B4-BE49-F238E27FC236}">
-                <a16:creationId xmlns:a16="http://schemas.microsoft.com/office/drawing/2014/main" id="{4E8001E8-C816-4848-BD4E-92266800E616}"/>
+                <a16:creationId xmlns:a16="http://schemas.microsoft.com/office/drawing/2014/main" xmlns="" id="{4E8001E8-C816-4848-BD4E-92266800E616}"/>
               </a:ext>
             </a:extLst>
           </p:cNvPr>
@@ -8529,7 +8571,7 @@
           <p:cNvPr id="2" name="Title 1">
             <a:extLst>
               <a:ext uri="{FF2B5EF4-FFF2-40B4-BE49-F238E27FC236}">
-                <a16:creationId xmlns:a16="http://schemas.microsoft.com/office/drawing/2014/main" id="{C9E8DAFC-BCF8-434E-9398-720991DCA97E}"/>
+                <a16:creationId xmlns:a16="http://schemas.microsoft.com/office/drawing/2014/main" xmlns="" id="{C9E8DAFC-BCF8-434E-9398-720991DCA97E}"/>
               </a:ext>
             </a:extLst>
           </p:cNvPr>
@@ -8562,7 +8604,7 @@
           <p:cNvPr id="3" name="Text Placeholder 2">
             <a:extLst>
               <a:ext uri="{FF2B5EF4-FFF2-40B4-BE49-F238E27FC236}">
-                <a16:creationId xmlns:a16="http://schemas.microsoft.com/office/drawing/2014/main" id="{998B2ADB-4577-422B-A615-888526E980E3}"/>
+                <a16:creationId xmlns:a16="http://schemas.microsoft.com/office/drawing/2014/main" xmlns="" id="{998B2ADB-4577-422B-A615-888526E980E3}"/>
               </a:ext>
             </a:extLst>
           </p:cNvPr>
@@ -8587,7 +8629,7 @@
           <p:cNvPr id="6" name="Slide Number Placeholder 5">
             <a:extLst>
               <a:ext uri="{FF2B5EF4-FFF2-40B4-BE49-F238E27FC236}">
-                <a16:creationId xmlns:a16="http://schemas.microsoft.com/office/drawing/2014/main" id="{FBDA6BB8-017D-44E9-B5EE-E039A0102089}"/>
+                <a16:creationId xmlns:a16="http://schemas.microsoft.com/office/drawing/2014/main" xmlns="" id="{FBDA6BB8-017D-44E9-B5EE-E039A0102089}"/>
               </a:ext>
             </a:extLst>
           </p:cNvPr>
@@ -8658,7 +8700,7 @@
           <p:cNvPr id="2" name="Title 1">
             <a:extLst>
               <a:ext uri="{FF2B5EF4-FFF2-40B4-BE49-F238E27FC236}">
-                <a16:creationId xmlns:a16="http://schemas.microsoft.com/office/drawing/2014/main" id="{D44A46CF-0C91-4FF1-97D4-3C8726E88B96}"/>
+                <a16:creationId xmlns:a16="http://schemas.microsoft.com/office/drawing/2014/main" xmlns="" id="{D44A46CF-0C91-4FF1-97D4-3C8726E88B96}"/>
               </a:ext>
             </a:extLst>
           </p:cNvPr>
@@ -8693,7 +8735,7 @@
           <p:cNvPr id="3" name="Content Placeholder 2">
             <a:extLst>
               <a:ext uri="{FF2B5EF4-FFF2-40B4-BE49-F238E27FC236}">
-                <a16:creationId xmlns:a16="http://schemas.microsoft.com/office/drawing/2014/main" id="{2E4E5C30-20E7-4C92-9420-CE036D32006E}"/>
+                <a16:creationId xmlns:a16="http://schemas.microsoft.com/office/drawing/2014/main" xmlns="" id="{2E4E5C30-20E7-4C92-9420-CE036D32006E}"/>
               </a:ext>
             </a:extLst>
           </p:cNvPr>
@@ -8712,7 +8754,7 @@
         </p:spPr>
         <p:txBody>
           <a:bodyPr>
-            <a:normAutofit/>
+            <a:normAutofit lnSpcReduction="10000"/>
           </a:bodyPr>
           <a:lstStyle/>
           <a:p>
@@ -8739,7 +8781,7 @@
           <p:cNvPr id="7" name="Content Placeholder 6">
             <a:extLst>
               <a:ext uri="{FF2B5EF4-FFF2-40B4-BE49-F238E27FC236}">
-                <a16:creationId xmlns:a16="http://schemas.microsoft.com/office/drawing/2014/main" id="{E133D6D8-A559-4395-A6AD-19191B991E7A}"/>
+                <a16:creationId xmlns:a16="http://schemas.microsoft.com/office/drawing/2014/main" xmlns="" id="{E133D6D8-A559-4395-A6AD-19191B991E7A}"/>
               </a:ext>
             </a:extLst>
           </p:cNvPr>
@@ -8792,7 +8834,7 @@
           <p:cNvPr id="6" name="Slide Number Placeholder 5">
             <a:extLst>
               <a:ext uri="{FF2B5EF4-FFF2-40B4-BE49-F238E27FC236}">
-                <a16:creationId xmlns:a16="http://schemas.microsoft.com/office/drawing/2014/main" id="{1C9D7785-ECE3-4B9D-849D-20069E2C95B0}"/>
+                <a16:creationId xmlns:a16="http://schemas.microsoft.com/office/drawing/2014/main" xmlns="" id="{1C9D7785-ECE3-4B9D-849D-20069E2C95B0}"/>
               </a:ext>
             </a:extLst>
           </p:cNvPr>
@@ -8832,7 +8874,7 @@
     <a:masterClrMapping/>
   </p:clrMapOvr>
   <mc:AlternateContent xmlns:mc="http://schemas.openxmlformats.org/markup-compatibility/2006">
-    <mc:Choice xmlns:p159="http://schemas.microsoft.com/office/powerpoint/2015/09/main" Requires="p159">
+    <mc:Choice xmlns:p159="http://schemas.microsoft.com/office/powerpoint/2015/09/main" xmlns="" Requires="p159">
       <p:transition xmlns:p14="http://schemas.microsoft.com/office/powerpoint/2010/main" spd="slow" p14:dur="2000">
         <p159:morph option="byObject"/>
       </p:transition>
@@ -8868,7 +8910,7 @@
           <p:cNvPr id="2" name="Title 1">
             <a:extLst>
               <a:ext uri="{FF2B5EF4-FFF2-40B4-BE49-F238E27FC236}">
-                <a16:creationId xmlns:a16="http://schemas.microsoft.com/office/drawing/2014/main" id="{F79CCA14-405F-4D19-B7D3-F92482D20819}"/>
+                <a16:creationId xmlns:a16="http://schemas.microsoft.com/office/drawing/2014/main" xmlns="" id="{F79CCA14-405F-4D19-B7D3-F92482D20819}"/>
               </a:ext>
             </a:extLst>
           </p:cNvPr>
@@ -8903,7 +8945,7 @@
           <p:cNvPr id="3" name="Content Placeholder 2">
             <a:extLst>
               <a:ext uri="{FF2B5EF4-FFF2-40B4-BE49-F238E27FC236}">
-                <a16:creationId xmlns:a16="http://schemas.microsoft.com/office/drawing/2014/main" id="{DE8BD9D2-E992-4FCC-BC06-062DEE21E072}"/>
+                <a16:creationId xmlns:a16="http://schemas.microsoft.com/office/drawing/2014/main" xmlns="" id="{DE8BD9D2-E992-4FCC-BC06-062DEE21E072}"/>
               </a:ext>
             </a:extLst>
           </p:cNvPr>
@@ -8955,7 +8997,7 @@
           <p:cNvPr id="6" name="Picture 5">
             <a:extLst>
               <a:ext uri="{FF2B5EF4-FFF2-40B4-BE49-F238E27FC236}">
-                <a16:creationId xmlns:a16="http://schemas.microsoft.com/office/drawing/2014/main" id="{0F872657-375D-4DC3-9EC3-B52CE44CCC2A}"/>
+                <a16:creationId xmlns:a16="http://schemas.microsoft.com/office/drawing/2014/main" xmlns="" id="{0F872657-375D-4DC3-9EC3-B52CE44CCC2A}"/>
               </a:ext>
             </a:extLst>
           </p:cNvPr>
@@ -9007,7 +9049,7 @@
           <p:cNvPr id="7" name="Slide Number Placeholder 6">
             <a:extLst>
               <a:ext uri="{FF2B5EF4-FFF2-40B4-BE49-F238E27FC236}">
-                <a16:creationId xmlns:a16="http://schemas.microsoft.com/office/drawing/2014/main" id="{1C03DE1D-306F-46A6-8C39-552F43EBF6D2}"/>
+                <a16:creationId xmlns:a16="http://schemas.microsoft.com/office/drawing/2014/main" xmlns="" id="{1C03DE1D-306F-46A6-8C39-552F43EBF6D2}"/>
               </a:ext>
             </a:extLst>
           </p:cNvPr>
@@ -9083,7 +9125,7 @@
           <p:cNvPr id="2" name="Title 1">
             <a:extLst>
               <a:ext uri="{FF2B5EF4-FFF2-40B4-BE49-F238E27FC236}">
-                <a16:creationId xmlns:a16="http://schemas.microsoft.com/office/drawing/2014/main" id="{A36E6D02-6D58-4ECE-AA0E-8C177F20059D}"/>
+                <a16:creationId xmlns:a16="http://schemas.microsoft.com/office/drawing/2014/main" xmlns="" id="{A36E6D02-6D58-4ECE-AA0E-8C177F20059D}"/>
               </a:ext>
             </a:extLst>
           </p:cNvPr>
@@ -9116,7 +9158,7 @@
           <p:cNvPr id="3" name="Text Placeholder 2">
             <a:extLst>
               <a:ext uri="{FF2B5EF4-FFF2-40B4-BE49-F238E27FC236}">
-                <a16:creationId xmlns:a16="http://schemas.microsoft.com/office/drawing/2014/main" id="{873AD796-EBDC-4D37-B2B8-1E7656D37701}"/>
+                <a16:creationId xmlns:a16="http://schemas.microsoft.com/office/drawing/2014/main" xmlns="" id="{873AD796-EBDC-4D37-B2B8-1E7656D37701}"/>
               </a:ext>
             </a:extLst>
           </p:cNvPr>
@@ -9141,7 +9183,7 @@
           <p:cNvPr id="6" name="Slide Number Placeholder 5">
             <a:extLst>
               <a:ext uri="{FF2B5EF4-FFF2-40B4-BE49-F238E27FC236}">
-                <a16:creationId xmlns:a16="http://schemas.microsoft.com/office/drawing/2014/main" id="{FB338C93-36D7-42A4-A7AB-9A7CABF27729}"/>
+                <a16:creationId xmlns:a16="http://schemas.microsoft.com/office/drawing/2014/main" xmlns="" id="{FB338C93-36D7-42A4-A7AB-9A7CABF27729}"/>
               </a:ext>
             </a:extLst>
           </p:cNvPr>

--- a/slide/Air Gap Systems.pptx
+++ b/slide/Air Gap Systems.pptx
@@ -5,10 +5,10 @@
     <p:sldMasterId id="2147483648" r:id="rId1"/>
   </p:sldMasterIdLst>
   <p:notesMasterIdLst>
-    <p:notesMasterId r:id="rId23"/>
+    <p:notesMasterId r:id="rId24"/>
   </p:notesMasterIdLst>
   <p:handoutMasterIdLst>
-    <p:handoutMasterId r:id="rId24"/>
+    <p:handoutMasterId r:id="rId25"/>
   </p:handoutMasterIdLst>
   <p:sldIdLst>
     <p:sldId id="265" r:id="rId2"/>
@@ -31,12 +31,13 @@
     <p:sldId id="337" r:id="rId19"/>
     <p:sldId id="331" r:id="rId20"/>
     <p:sldId id="338" r:id="rId21"/>
-    <p:sldId id="332" r:id="rId22"/>
+    <p:sldId id="339" r:id="rId22"/>
+    <p:sldId id="332" r:id="rId23"/>
   </p:sldIdLst>
   <p:sldSz cx="12188825" cy="6858000"/>
   <p:notesSz cx="6858000" cy="9144000"/>
   <p:custDataLst>
-    <p:tags r:id="rId25"/>
+    <p:tags r:id="rId26"/>
   </p:custDataLst>
   <p:defaultTextStyle>
     <a:defPPr>
@@ -158,6 +159,7 @@
             <p14:sldId id="337"/>
             <p14:sldId id="331"/>
             <p14:sldId id="338"/>
+            <p14:sldId id="339"/>
             <p14:sldId id="332"/>
           </p14:sldIdLst>
         </p14:section>
@@ -266,7 +268,7 @@
           <a:p>
             <a:fld id="{59088EAF-6ECA-4616-85EF-35AA19C641F3}" type="datetimeFigureOut">
               <a:rPr lang="en-US"/>
-              <a:t>2020-10-06</a:t>
+              <a:t>2020-10-11</a:t>
             </a:fld>
             <a:endParaRPr/>
           </a:p>
@@ -431,7 +433,7 @@
           <a:p>
             <a:fld id="{3ABD2D7A-D230-4F91-BD59-0A39C2703BA8}" type="datetimeFigureOut">
               <a:rPr lang="en-US"/>
-              <a:t>2020-10-06</a:t>
+              <a:t>2020-10-11</a:t>
             </a:fld>
             <a:endParaRPr/>
           </a:p>
@@ -4114,7 +4116,7 @@
           <p:cNvPr id="2" name="Title 1">
             <a:extLst>
               <a:ext uri="{FF2B5EF4-FFF2-40B4-BE49-F238E27FC236}">
-                <a16:creationId xmlns:a16="http://schemas.microsoft.com/office/drawing/2014/main" xmlns="" id="{E6593103-16EE-4D0E-94DA-D14C73BD5BEE}"/>
+                <a16:creationId xmlns="" xmlns:a16="http://schemas.microsoft.com/office/drawing/2014/main" id="{E6593103-16EE-4D0E-94DA-D14C73BD5BEE}"/>
               </a:ext>
             </a:extLst>
           </p:cNvPr>
@@ -4149,7 +4151,7 @@
           <p:cNvPr id="3" name="Content Placeholder 2">
             <a:extLst>
               <a:ext uri="{FF2B5EF4-FFF2-40B4-BE49-F238E27FC236}">
-                <a16:creationId xmlns:a16="http://schemas.microsoft.com/office/drawing/2014/main" xmlns="" id="{13AC8AE4-3F4A-4E15-9C5C-3E5C2437ADD4}"/>
+                <a16:creationId xmlns="" xmlns:a16="http://schemas.microsoft.com/office/drawing/2014/main" id="{13AC8AE4-3F4A-4E15-9C5C-3E5C2437ADD4}"/>
               </a:ext>
             </a:extLst>
           </p:cNvPr>
@@ -4274,7 +4276,7 @@
           <p:cNvPr id="9" name="Picture 8">
             <a:extLst>
               <a:ext uri="{FF2B5EF4-FFF2-40B4-BE49-F238E27FC236}">
-                <a16:creationId xmlns:a16="http://schemas.microsoft.com/office/drawing/2014/main" xmlns="" id="{289E43AF-9420-4240-BAB3-DE146BDA3484}"/>
+                <a16:creationId xmlns="" xmlns:a16="http://schemas.microsoft.com/office/drawing/2014/main" id="{289E43AF-9420-4240-BAB3-DE146BDA3484}"/>
               </a:ext>
             </a:extLst>
           </p:cNvPr>
@@ -4326,7 +4328,7 @@
           <p:cNvPr id="11" name="Slide Number Placeholder 10">
             <a:extLst>
               <a:ext uri="{FF2B5EF4-FFF2-40B4-BE49-F238E27FC236}">
-                <a16:creationId xmlns:a16="http://schemas.microsoft.com/office/drawing/2014/main" xmlns="" id="{1F165276-F076-4365-AC25-2E4DBE38CB8D}"/>
+                <a16:creationId xmlns="" xmlns:a16="http://schemas.microsoft.com/office/drawing/2014/main" id="{1F165276-F076-4365-AC25-2E4DBE38CB8D}"/>
               </a:ext>
             </a:extLst>
           </p:cNvPr>
@@ -4366,7 +4368,7 @@
     <a:masterClrMapping/>
   </p:clrMapOvr>
   <mc:AlternateContent xmlns:mc="http://schemas.openxmlformats.org/markup-compatibility/2006">
-    <mc:Choice xmlns:p159="http://schemas.microsoft.com/office/powerpoint/2015/09/main" xmlns="" Requires="p159">
+    <mc:Choice xmlns="" xmlns:p159="http://schemas.microsoft.com/office/powerpoint/2015/09/main" Requires="p159">
       <p:transition xmlns:p14="http://schemas.microsoft.com/office/powerpoint/2010/main" spd="slow" p14:dur="2000">
         <p159:morph option="byObject"/>
       </p:transition>
@@ -4402,7 +4404,7 @@
           <p:cNvPr id="2" name="Title 1">
             <a:extLst>
               <a:ext uri="{FF2B5EF4-FFF2-40B4-BE49-F238E27FC236}">
-                <a16:creationId xmlns:a16="http://schemas.microsoft.com/office/drawing/2014/main" xmlns="" id="{64681303-908F-48C5-9D84-4AEDB5D9E8F2}"/>
+                <a16:creationId xmlns="" xmlns:a16="http://schemas.microsoft.com/office/drawing/2014/main" id="{64681303-908F-48C5-9D84-4AEDB5D9E8F2}"/>
               </a:ext>
             </a:extLst>
           </p:cNvPr>
@@ -4438,7 +4440,7 @@
           <p:cNvPr id="3" name="Content Placeholder 2">
             <a:extLst>
               <a:ext uri="{FF2B5EF4-FFF2-40B4-BE49-F238E27FC236}">
-                <a16:creationId xmlns:a16="http://schemas.microsoft.com/office/drawing/2014/main" xmlns="" id="{9205F709-63F9-44B6-AF77-E85C7D10D4D1}"/>
+                <a16:creationId xmlns="" xmlns:a16="http://schemas.microsoft.com/office/drawing/2014/main" id="{9205F709-63F9-44B6-AF77-E85C7D10D4D1}"/>
               </a:ext>
             </a:extLst>
           </p:cNvPr>
@@ -4595,7 +4597,7 @@
           <p:cNvPr id="6" name="Slide Number Placeholder 5">
             <a:extLst>
               <a:ext uri="{FF2B5EF4-FFF2-40B4-BE49-F238E27FC236}">
-                <a16:creationId xmlns:a16="http://schemas.microsoft.com/office/drawing/2014/main" xmlns="" id="{DA776D57-5186-4C1C-A9A3-63F756D62664}"/>
+                <a16:creationId xmlns="" xmlns:a16="http://schemas.microsoft.com/office/drawing/2014/main" id="{DA776D57-5186-4C1C-A9A3-63F756D62664}"/>
               </a:ext>
             </a:extLst>
           </p:cNvPr>
@@ -4671,7 +4673,7 @@
           <p:cNvPr id="2" name="Title 1">
             <a:extLst>
               <a:ext uri="{FF2B5EF4-FFF2-40B4-BE49-F238E27FC236}">
-                <a16:creationId xmlns:a16="http://schemas.microsoft.com/office/drawing/2014/main" xmlns="" id="{878BDDF2-F293-4D2A-8F37-18DB57792DE0}"/>
+                <a16:creationId xmlns="" xmlns:a16="http://schemas.microsoft.com/office/drawing/2014/main" id="{878BDDF2-F293-4D2A-8F37-18DB57792DE0}"/>
               </a:ext>
             </a:extLst>
           </p:cNvPr>
@@ -4704,7 +4706,7 @@
           <p:cNvPr id="3" name="Text Placeholder 2">
             <a:extLst>
               <a:ext uri="{FF2B5EF4-FFF2-40B4-BE49-F238E27FC236}">
-                <a16:creationId xmlns:a16="http://schemas.microsoft.com/office/drawing/2014/main" xmlns="" id="{EF9276CD-6277-44E6-81D5-3EAA152C2058}"/>
+                <a16:creationId xmlns="" xmlns:a16="http://schemas.microsoft.com/office/drawing/2014/main" id="{EF9276CD-6277-44E6-81D5-3EAA152C2058}"/>
               </a:ext>
             </a:extLst>
           </p:cNvPr>
@@ -4729,7 +4731,7 @@
           <p:cNvPr id="6" name="Slide Number Placeholder 5">
             <a:extLst>
               <a:ext uri="{FF2B5EF4-FFF2-40B4-BE49-F238E27FC236}">
-                <a16:creationId xmlns:a16="http://schemas.microsoft.com/office/drawing/2014/main" xmlns="" id="{E1640AEB-71E6-4D4F-92AE-6A407637F308}"/>
+                <a16:creationId xmlns="" xmlns:a16="http://schemas.microsoft.com/office/drawing/2014/main" id="{E1640AEB-71E6-4D4F-92AE-6A407637F308}"/>
               </a:ext>
             </a:extLst>
           </p:cNvPr>
@@ -4800,7 +4802,7 @@
           <p:cNvPr id="2" name="Title 1">
             <a:extLst>
               <a:ext uri="{FF2B5EF4-FFF2-40B4-BE49-F238E27FC236}">
-                <a16:creationId xmlns:a16="http://schemas.microsoft.com/office/drawing/2014/main" xmlns="" id="{353B007E-27FA-4C76-8DC4-46A5755B025B}"/>
+                <a16:creationId xmlns="" xmlns:a16="http://schemas.microsoft.com/office/drawing/2014/main" id="{353B007E-27FA-4C76-8DC4-46A5755B025B}"/>
               </a:ext>
             </a:extLst>
           </p:cNvPr>
@@ -4836,7 +4838,7 @@
           <p:cNvPr id="3" name="Content Placeholder 2">
             <a:extLst>
               <a:ext uri="{FF2B5EF4-FFF2-40B4-BE49-F238E27FC236}">
-                <a16:creationId xmlns:a16="http://schemas.microsoft.com/office/drawing/2014/main" xmlns="" id="{D0E14509-49B9-4473-A592-F055BDFDB31B}"/>
+                <a16:creationId xmlns="" xmlns:a16="http://schemas.microsoft.com/office/drawing/2014/main" id="{D0E14509-49B9-4473-A592-F055BDFDB31B}"/>
               </a:ext>
             </a:extLst>
           </p:cNvPr>
@@ -4903,7 +4905,7 @@
           <p:cNvPr id="5" name="TextBox 4">
             <a:extLst>
               <a:ext uri="{FF2B5EF4-FFF2-40B4-BE49-F238E27FC236}">
-                <a16:creationId xmlns:a16="http://schemas.microsoft.com/office/drawing/2014/main" xmlns="" id="{8CBAD1F5-CC3F-4050-85BF-3059BE44E29F}"/>
+                <a16:creationId xmlns="" xmlns:a16="http://schemas.microsoft.com/office/drawing/2014/main" id="{8CBAD1F5-CC3F-4050-85BF-3059BE44E29F}"/>
               </a:ext>
             </a:extLst>
           </p:cNvPr>
@@ -4972,7 +4974,7 @@
           <p:cNvPr id="7" name="Slide Number Placeholder 6">
             <a:extLst>
               <a:ext uri="{FF2B5EF4-FFF2-40B4-BE49-F238E27FC236}">
-                <a16:creationId xmlns:a16="http://schemas.microsoft.com/office/drawing/2014/main" xmlns="" id="{C1E76C18-38A1-4C07-A94A-22BF3C40F963}"/>
+                <a16:creationId xmlns="" xmlns:a16="http://schemas.microsoft.com/office/drawing/2014/main" id="{C1E76C18-38A1-4C07-A94A-22BF3C40F963}"/>
               </a:ext>
             </a:extLst>
           </p:cNvPr>
@@ -5012,7 +5014,7 @@
     <a:masterClrMapping/>
   </p:clrMapOvr>
   <mc:AlternateContent xmlns:mc="http://schemas.openxmlformats.org/markup-compatibility/2006">
-    <mc:Choice xmlns:p159="http://schemas.microsoft.com/office/powerpoint/2015/09/main" xmlns="" Requires="p159">
+    <mc:Choice xmlns="" xmlns:p159="http://schemas.microsoft.com/office/powerpoint/2015/09/main" Requires="p159">
       <p:transition xmlns:p14="http://schemas.microsoft.com/office/powerpoint/2010/main" spd="slow" p14:dur="2000">
         <p159:morph option="byObject"/>
       </p:transition>
@@ -5260,7 +5262,7 @@
           <p:cNvPr id="2" name="Title 1">
             <a:extLst>
               <a:ext uri="{FF2B5EF4-FFF2-40B4-BE49-F238E27FC236}">
-                <a16:creationId xmlns:a16="http://schemas.microsoft.com/office/drawing/2014/main" xmlns="" id="{9EE5734B-D87D-494D-AE9C-F061C091989B}"/>
+                <a16:creationId xmlns="" xmlns:a16="http://schemas.microsoft.com/office/drawing/2014/main" id="{9EE5734B-D87D-494D-AE9C-F061C091989B}"/>
               </a:ext>
             </a:extLst>
           </p:cNvPr>
@@ -5296,7 +5298,7 @@
           <p:cNvPr id="3" name="Content Placeholder 2">
             <a:extLst>
               <a:ext uri="{FF2B5EF4-FFF2-40B4-BE49-F238E27FC236}">
-                <a16:creationId xmlns:a16="http://schemas.microsoft.com/office/drawing/2014/main" xmlns="" id="{D4ACD8DD-37A8-4185-84B4-45A1F93507AD}"/>
+                <a16:creationId xmlns="" xmlns:a16="http://schemas.microsoft.com/office/drawing/2014/main" id="{D4ACD8DD-37A8-4185-84B4-45A1F93507AD}"/>
               </a:ext>
             </a:extLst>
           </p:cNvPr>
@@ -5342,7 +5344,7 @@
           <p:cNvPr id="10" name="Picture 9">
             <a:extLst>
               <a:ext uri="{FF2B5EF4-FFF2-40B4-BE49-F238E27FC236}">
-                <a16:creationId xmlns:a16="http://schemas.microsoft.com/office/drawing/2014/main" xmlns="" id="{4FE1B15E-105B-4B97-AFA1-150C4C604AD4}"/>
+                <a16:creationId xmlns="" xmlns:a16="http://schemas.microsoft.com/office/drawing/2014/main" id="{4FE1B15E-105B-4B97-AFA1-150C4C604AD4}"/>
               </a:ext>
             </a:extLst>
           </p:cNvPr>
@@ -5394,7 +5396,7 @@
           <p:cNvPr id="12" name="Slide Number Placeholder 11">
             <a:extLst>
               <a:ext uri="{FF2B5EF4-FFF2-40B4-BE49-F238E27FC236}">
-                <a16:creationId xmlns:a16="http://schemas.microsoft.com/office/drawing/2014/main" xmlns="" id="{B9377FD8-F15E-4F21-B6F9-6C0F14BB2591}"/>
+                <a16:creationId xmlns="" xmlns:a16="http://schemas.microsoft.com/office/drawing/2014/main" id="{B9377FD8-F15E-4F21-B6F9-6C0F14BB2591}"/>
               </a:ext>
             </a:extLst>
           </p:cNvPr>
@@ -5470,7 +5472,7 @@
           <p:cNvPr id="2" name="Title 1">
             <a:extLst>
               <a:ext uri="{FF2B5EF4-FFF2-40B4-BE49-F238E27FC236}">
-                <a16:creationId xmlns:a16="http://schemas.microsoft.com/office/drawing/2014/main" xmlns="" id="{09C6AB96-8F8A-4E05-8356-220B5A8B05E0}"/>
+                <a16:creationId xmlns="" xmlns:a16="http://schemas.microsoft.com/office/drawing/2014/main" id="{09C6AB96-8F8A-4E05-8356-220B5A8B05E0}"/>
               </a:ext>
             </a:extLst>
           </p:cNvPr>
@@ -5505,7 +5507,7 @@
           <p:cNvPr id="3" name="Content Placeholder 2">
             <a:extLst>
               <a:ext uri="{FF2B5EF4-FFF2-40B4-BE49-F238E27FC236}">
-                <a16:creationId xmlns:a16="http://schemas.microsoft.com/office/drawing/2014/main" xmlns="" id="{418C6E46-85A3-4601-9529-1194193FD5CC}"/>
+                <a16:creationId xmlns="" xmlns:a16="http://schemas.microsoft.com/office/drawing/2014/main" id="{418C6E46-85A3-4601-9529-1194193FD5CC}"/>
               </a:ext>
             </a:extLst>
           </p:cNvPr>
@@ -5611,7 +5613,7 @@
           <p:cNvPr id="6" name="Slide Number Placeholder 5">
             <a:extLst>
               <a:ext uri="{FF2B5EF4-FFF2-40B4-BE49-F238E27FC236}">
-                <a16:creationId xmlns:a16="http://schemas.microsoft.com/office/drawing/2014/main" xmlns="" id="{93419482-AC62-4199-9BA9-58C8A915AA9E}"/>
+                <a16:creationId xmlns="" xmlns:a16="http://schemas.microsoft.com/office/drawing/2014/main" id="{93419482-AC62-4199-9BA9-58C8A915AA9E}"/>
               </a:ext>
             </a:extLst>
           </p:cNvPr>
@@ -5687,7 +5689,7 @@
           <p:cNvPr id="3" name="Content Placeholder 2">
             <a:extLst>
               <a:ext uri="{FF2B5EF4-FFF2-40B4-BE49-F238E27FC236}">
-                <a16:creationId xmlns:a16="http://schemas.microsoft.com/office/drawing/2014/main" xmlns="" id="{620E57BB-E8EC-40F3-9510-2FE8AE527772}"/>
+                <a16:creationId xmlns="" xmlns:a16="http://schemas.microsoft.com/office/drawing/2014/main" id="{620E57BB-E8EC-40F3-9510-2FE8AE527772}"/>
               </a:ext>
             </a:extLst>
           </p:cNvPr>
@@ -5764,7 +5766,7 @@
           <p:cNvPr id="5" name="Title 1">
             <a:extLst>
               <a:ext uri="{FF2B5EF4-FFF2-40B4-BE49-F238E27FC236}">
-                <a16:creationId xmlns:a16="http://schemas.microsoft.com/office/drawing/2014/main" xmlns="" id="{E8AC6BB9-E5FB-47B7-990A-ABD6CB5902C9}"/>
+                <a16:creationId xmlns="" xmlns:a16="http://schemas.microsoft.com/office/drawing/2014/main" id="{E8AC6BB9-E5FB-47B7-990A-ABD6CB5902C9}"/>
               </a:ext>
             </a:extLst>
           </p:cNvPr>
@@ -5802,7 +5804,7 @@
           <p:cNvPr id="7" name="Slide Number Placeholder 6">
             <a:extLst>
               <a:ext uri="{FF2B5EF4-FFF2-40B4-BE49-F238E27FC236}">
-                <a16:creationId xmlns:a16="http://schemas.microsoft.com/office/drawing/2014/main" xmlns="" id="{7EF8849A-04EE-40D3-A6B9-E3457594C6AD}"/>
+                <a16:creationId xmlns="" xmlns:a16="http://schemas.microsoft.com/office/drawing/2014/main" id="{7EF8849A-04EE-40D3-A6B9-E3457594C6AD}"/>
               </a:ext>
             </a:extLst>
           </p:cNvPr>
@@ -5878,7 +5880,7 @@
           <p:cNvPr id="2" name="Title 1">
             <a:extLst>
               <a:ext uri="{FF2B5EF4-FFF2-40B4-BE49-F238E27FC236}">
-                <a16:creationId xmlns:a16="http://schemas.microsoft.com/office/drawing/2014/main" xmlns="" id="{E3F4A8DE-FFCE-43B7-B2A4-F5112CFD441B}"/>
+                <a16:creationId xmlns="" xmlns:a16="http://schemas.microsoft.com/office/drawing/2014/main" id="{E3F4A8DE-FFCE-43B7-B2A4-F5112CFD441B}"/>
               </a:ext>
             </a:extLst>
           </p:cNvPr>
@@ -5925,7 +5927,7 @@
           <p:cNvPr id="3" name="Content Placeholder 2">
             <a:extLst>
               <a:ext uri="{FF2B5EF4-FFF2-40B4-BE49-F238E27FC236}">
-                <a16:creationId xmlns:a16="http://schemas.microsoft.com/office/drawing/2014/main" xmlns="" id="{6D3EBD16-68F3-4D59-BF6F-E0137C53443F}"/>
+                <a16:creationId xmlns="" xmlns:a16="http://schemas.microsoft.com/office/drawing/2014/main" id="{6D3EBD16-68F3-4D59-BF6F-E0137C53443F}"/>
               </a:ext>
             </a:extLst>
           </p:cNvPr>
@@ -6031,7 +6033,7 @@
           <p:cNvPr id="6" name="Slide Number Placeholder 5">
             <a:extLst>
               <a:ext uri="{FF2B5EF4-FFF2-40B4-BE49-F238E27FC236}">
-                <a16:creationId xmlns:a16="http://schemas.microsoft.com/office/drawing/2014/main" xmlns="" id="{C2AD3CCD-EE2A-4B40-B81E-9B47F27376E4}"/>
+                <a16:creationId xmlns="" xmlns:a16="http://schemas.microsoft.com/office/drawing/2014/main" id="{C2AD3CCD-EE2A-4B40-B81E-9B47F27376E4}"/>
               </a:ext>
             </a:extLst>
           </p:cNvPr>
@@ -6107,7 +6109,7 @@
           <p:cNvPr id="2" name="Title 1">
             <a:extLst>
               <a:ext uri="{FF2B5EF4-FFF2-40B4-BE49-F238E27FC236}">
-                <a16:creationId xmlns:a16="http://schemas.microsoft.com/office/drawing/2014/main" xmlns="" id="{6F3441CF-7F8A-4D9C-B276-AB5FC627D779}"/>
+                <a16:creationId xmlns="" xmlns:a16="http://schemas.microsoft.com/office/drawing/2014/main" id="{6F3441CF-7F8A-4D9C-B276-AB5FC627D779}"/>
               </a:ext>
             </a:extLst>
           </p:cNvPr>
@@ -6140,7 +6142,7 @@
           <p:cNvPr id="3" name="Text Placeholder 2">
             <a:extLst>
               <a:ext uri="{FF2B5EF4-FFF2-40B4-BE49-F238E27FC236}">
-                <a16:creationId xmlns:a16="http://schemas.microsoft.com/office/drawing/2014/main" xmlns="" id="{BB38015B-336A-4925-87FB-963334C00626}"/>
+                <a16:creationId xmlns="" xmlns:a16="http://schemas.microsoft.com/office/drawing/2014/main" id="{BB38015B-336A-4925-87FB-963334C00626}"/>
               </a:ext>
             </a:extLst>
           </p:cNvPr>
@@ -6165,7 +6167,7 @@
           <p:cNvPr id="6" name="Slide Number Placeholder 5">
             <a:extLst>
               <a:ext uri="{FF2B5EF4-FFF2-40B4-BE49-F238E27FC236}">
-                <a16:creationId xmlns:a16="http://schemas.microsoft.com/office/drawing/2014/main" xmlns="" id="{3BB54E30-6293-4B43-80A7-5A5D4C0B97A7}"/>
+                <a16:creationId xmlns="" xmlns:a16="http://schemas.microsoft.com/office/drawing/2014/main" id="{3BB54E30-6293-4B43-80A7-5A5D4C0B97A7}"/>
               </a:ext>
             </a:extLst>
           </p:cNvPr>
@@ -6236,7 +6238,7 @@
           <p:cNvPr id="2" name="Title 1">
             <a:extLst>
               <a:ext uri="{FF2B5EF4-FFF2-40B4-BE49-F238E27FC236}">
-                <a16:creationId xmlns:a16="http://schemas.microsoft.com/office/drawing/2014/main" xmlns="" id="{B69087F6-0018-4BEB-9FCD-84302D11A8B6}"/>
+                <a16:creationId xmlns="" xmlns:a16="http://schemas.microsoft.com/office/drawing/2014/main" id="{B69087F6-0018-4BEB-9FCD-84302D11A8B6}"/>
               </a:ext>
             </a:extLst>
           </p:cNvPr>
@@ -6272,7 +6274,7 @@
           <p:cNvPr id="3" name="Content Placeholder 2">
             <a:extLst>
               <a:ext uri="{FF2B5EF4-FFF2-40B4-BE49-F238E27FC236}">
-                <a16:creationId xmlns:a16="http://schemas.microsoft.com/office/drawing/2014/main" xmlns="" id="{718C16F0-0D16-4084-B96A-5ADEC3569403}"/>
+                <a16:creationId xmlns="" xmlns:a16="http://schemas.microsoft.com/office/drawing/2014/main" id="{718C16F0-0D16-4084-B96A-5ADEC3569403}"/>
               </a:ext>
             </a:extLst>
           </p:cNvPr>
@@ -6414,7 +6416,7 @@
           <p:cNvPr id="6" name="Picture 5">
             <a:extLst>
               <a:ext uri="{FF2B5EF4-FFF2-40B4-BE49-F238E27FC236}">
-                <a16:creationId xmlns:a16="http://schemas.microsoft.com/office/drawing/2014/main" xmlns="" id="{C362ED80-D912-4CA6-8A2D-866914FC4609}"/>
+                <a16:creationId xmlns="" xmlns:a16="http://schemas.microsoft.com/office/drawing/2014/main" id="{C362ED80-D912-4CA6-8A2D-866914FC4609}"/>
               </a:ext>
             </a:extLst>
           </p:cNvPr>
@@ -6466,7 +6468,7 @@
           <p:cNvPr id="8" name="Slide Number Placeholder 7">
             <a:extLst>
               <a:ext uri="{FF2B5EF4-FFF2-40B4-BE49-F238E27FC236}">
-                <a16:creationId xmlns:a16="http://schemas.microsoft.com/office/drawing/2014/main" xmlns="" id="{2A1D8830-F902-4C66-9944-4C1BBC605AB0}"/>
+                <a16:creationId xmlns="" xmlns:a16="http://schemas.microsoft.com/office/drawing/2014/main" id="{2A1D8830-F902-4C66-9944-4C1BBC605AB0}"/>
               </a:ext>
             </a:extLst>
           </p:cNvPr>
@@ -6506,7 +6508,7 @@
     <a:masterClrMapping/>
   </p:clrMapOvr>
   <mc:AlternateContent xmlns:mc="http://schemas.openxmlformats.org/markup-compatibility/2006">
-    <mc:Choice xmlns:p159="http://schemas.microsoft.com/office/powerpoint/2015/09/main" xmlns="" Requires="p159">
+    <mc:Choice xmlns="" xmlns:p159="http://schemas.microsoft.com/office/powerpoint/2015/09/main" Requires="p159">
       <p:transition xmlns:p14="http://schemas.microsoft.com/office/powerpoint/2010/main" spd="slow" p14:dur="2000">
         <p159:morph option="byObject"/>
       </p:transition>
@@ -6566,7 +6568,7 @@
           <p:cNvPr id="6" name="Content Placeholder 5">
             <a:extLst>
               <a:ext uri="{FF2B5EF4-FFF2-40B4-BE49-F238E27FC236}">
-                <a16:creationId xmlns:a16="http://schemas.microsoft.com/office/drawing/2014/main" xmlns="" id="{2E0F4C2B-D51B-4CD1-B2D8-77E40879AC23}"/>
+                <a16:creationId xmlns="" xmlns:a16="http://schemas.microsoft.com/office/drawing/2014/main" id="{2E0F4C2B-D51B-4CD1-B2D8-77E40879AC23}"/>
               </a:ext>
             </a:extLst>
           </p:cNvPr>
@@ -6653,7 +6655,7 @@
           <p:cNvPr id="3" name="Slide Number Placeholder 2">
             <a:extLst>
               <a:ext uri="{FF2B5EF4-FFF2-40B4-BE49-F238E27FC236}">
-                <a16:creationId xmlns:a16="http://schemas.microsoft.com/office/drawing/2014/main" xmlns="" id="{780B1A77-015D-4730-9EDE-7A5D51246536}"/>
+                <a16:creationId xmlns="" xmlns:a16="http://schemas.microsoft.com/office/drawing/2014/main" id="{780B1A77-015D-4730-9EDE-7A5D51246536}"/>
               </a:ext>
             </a:extLst>
           </p:cNvPr>
@@ -7337,7 +7339,7 @@
           <p:cNvPr id="2" name="Title 1">
             <a:extLst>
               <a:ext uri="{FF2B5EF4-FFF2-40B4-BE49-F238E27FC236}">
-                <a16:creationId xmlns:a16="http://schemas.microsoft.com/office/drawing/2014/main" xmlns="" id="{D9B32D47-C7B2-4D8F-8B6E-1FA604A218EC}"/>
+                <a16:creationId xmlns="" xmlns:a16="http://schemas.microsoft.com/office/drawing/2014/main" id="{D9B32D47-C7B2-4D8F-8B6E-1FA604A218EC}"/>
               </a:ext>
             </a:extLst>
           </p:cNvPr>
@@ -7370,7 +7372,7 @@
           <p:cNvPr id="3" name="Text Placeholder 2">
             <a:extLst>
               <a:ext uri="{FF2B5EF4-FFF2-40B4-BE49-F238E27FC236}">
-                <a16:creationId xmlns:a16="http://schemas.microsoft.com/office/drawing/2014/main" xmlns="" id="{17255B33-6931-40C4-81ED-EBD154E2609D}"/>
+                <a16:creationId xmlns="" xmlns:a16="http://schemas.microsoft.com/office/drawing/2014/main" id="{17255B33-6931-40C4-81ED-EBD154E2609D}"/>
               </a:ext>
             </a:extLst>
           </p:cNvPr>
@@ -7395,7 +7397,7 @@
           <p:cNvPr id="6" name="Slide Number Placeholder 5">
             <a:extLst>
               <a:ext uri="{FF2B5EF4-FFF2-40B4-BE49-F238E27FC236}">
-                <a16:creationId xmlns:a16="http://schemas.microsoft.com/office/drawing/2014/main" xmlns="" id="{28F8D599-397E-46EF-86F3-98C5800B5CB3}"/>
+                <a16:creationId xmlns="" xmlns:a16="http://schemas.microsoft.com/office/drawing/2014/main" id="{28F8D599-397E-46EF-86F3-98C5800B5CB3}"/>
               </a:ext>
             </a:extLst>
           </p:cNvPr>
@@ -7463,10 +7465,238 @@
       </p:grpSpPr>
       <p:sp>
         <p:nvSpPr>
+          <p:cNvPr id="3" name="Content Placeholder 2"/>
+          <p:cNvSpPr>
+            <a:spLocks noGrp="1"/>
+          </p:cNvSpPr>
+          <p:nvPr>
+            <p:ph idx="1"/>
+          </p:nvPr>
+        </p:nvSpPr>
+        <p:spPr>
+          <a:xfrm>
+            <a:off x="1088406" y="1143000"/>
+            <a:ext cx="9134391" cy="4572000"/>
+          </a:xfrm>
+        </p:spPr>
+        <p:txBody>
+          <a:bodyPr>
+            <a:normAutofit fontScale="70000" lnSpcReduction="20000"/>
+          </a:bodyPr>
+          <a:lstStyle/>
+          <a:p>
+            <a:pPr algn="l" rtl="0"/>
+            <a:r>
+              <a:rPr lang="en-US" dirty="0"/>
+              <a:t>Air-gap network = </a:t>
+            </a:r>
+            <a:r>
+              <a:rPr lang="fa-IR" dirty="0"/>
+              <a:t>شبکه شکاف هوا</a:t>
+            </a:r>
+          </a:p>
+          <a:p>
+            <a:pPr algn="l" rtl="0"/>
+            <a:r>
+              <a:rPr lang="en-US" dirty="0"/>
+              <a:t>Network security =  </a:t>
+            </a:r>
+            <a:r>
+              <a:rPr lang="fa-IR" dirty="0"/>
+              <a:t>امنیت شبکه</a:t>
+            </a:r>
+          </a:p>
+          <a:p>
+            <a:pPr algn="l" rtl="0"/>
+            <a:r>
+              <a:rPr lang="en-US" dirty="0"/>
+              <a:t>WIFI ( wireless network interface controller ) = </a:t>
+            </a:r>
+            <a:r>
+              <a:rPr lang="fa-IR" dirty="0"/>
+              <a:t>کنترل کننده رابط شبکه بی سیم</a:t>
+            </a:r>
+          </a:p>
+          <a:p>
+            <a:pPr algn="l" rtl="0"/>
+            <a:r>
+              <a:rPr lang="en-US" dirty="0"/>
+              <a:t>Network administers = </a:t>
+            </a:r>
+            <a:r>
+              <a:rPr lang="fa-IR" dirty="0"/>
+              <a:t>مدیران شبکه</a:t>
+            </a:r>
+          </a:p>
+          <a:p>
+            <a:pPr algn="l" rtl="0"/>
+            <a:r>
+              <a:rPr lang="en-US" dirty="0"/>
+              <a:t>Breaches = </a:t>
+            </a:r>
+            <a:r>
+              <a:rPr lang="fa-IR" dirty="0"/>
+              <a:t>نقض</a:t>
+            </a:r>
+          </a:p>
+          <a:p>
+            <a:pPr algn="l" rtl="0"/>
+            <a:r>
+              <a:rPr lang="en-US" dirty="0"/>
+              <a:t>Sophisticated attackers = </a:t>
+            </a:r>
+            <a:r>
+              <a:rPr lang="fa-IR" dirty="0"/>
+              <a:t>حمله </a:t>
+            </a:r>
+            <a:r>
+              <a:rPr lang="fa-IR" dirty="0" err="1" smtClean="0"/>
+              <a:t>کنندگان</a:t>
+            </a:r>
+            <a:r>
+              <a:rPr lang="fa-IR" dirty="0" smtClean="0"/>
+              <a:t> </a:t>
+            </a:r>
+            <a:r>
+              <a:rPr lang="fa-IR" dirty="0"/>
+              <a:t>خبره </a:t>
+            </a:r>
+            <a:r>
+              <a:rPr lang="fa-IR" dirty="0" err="1" smtClean="0"/>
+              <a:t>وماهر</a:t>
+            </a:r>
+            <a:endParaRPr lang="fa-IR" dirty="0"/>
+          </a:p>
+          <a:p>
+            <a:pPr algn="l" rtl="0"/>
+            <a:r>
+              <a:rPr lang="en-US" dirty="0"/>
+              <a:t>Network architecture = </a:t>
+            </a:r>
+            <a:r>
+              <a:rPr lang="fa-IR" dirty="0"/>
+              <a:t>معماری شبکه</a:t>
+            </a:r>
+          </a:p>
+          <a:p>
+            <a:pPr algn="l" rtl="0"/>
+            <a:r>
+              <a:rPr lang="en-US" dirty="0"/>
+              <a:t>Aviation Computers = </a:t>
+            </a:r>
+            <a:r>
+              <a:rPr lang="fa-IR" dirty="0"/>
+              <a:t>رایانه های هواپیمایی</a:t>
+            </a:r>
+          </a:p>
+          <a:p>
+            <a:pPr algn="l" rtl="0"/>
+            <a:r>
+              <a:rPr lang="en-US" dirty="0"/>
+              <a:t>Social engineering = </a:t>
+            </a:r>
+            <a:r>
+              <a:rPr lang="fa-IR" dirty="0"/>
+              <a:t>مهندسی اجتماعی (امنیت)</a:t>
+            </a:r>
+          </a:p>
+          <a:p>
+            <a:pPr algn="l" rtl="0"/>
+            <a:r>
+              <a:rPr lang="en-US" dirty="0"/>
+              <a:t>FM radio receiver ( medium frequency ) </a:t>
+            </a:r>
+          </a:p>
+          <a:p>
+            <a:pPr algn="l" rtl="0"/>
+            <a:r>
+              <a:rPr lang="en-US" dirty="0"/>
+              <a:t>VPN ( virtual private network ) = </a:t>
+            </a:r>
+            <a:r>
+              <a:rPr lang="fa-IR" dirty="0"/>
+              <a:t>شبکه خصوصی مجازی</a:t>
+            </a:r>
+            <a:endParaRPr lang="en-US" dirty="0"/>
+          </a:p>
+        </p:txBody>
+      </p:sp>
+      <p:sp>
+        <p:nvSpPr>
+          <p:cNvPr id="4" name="Slide Number Placeholder 3"/>
+          <p:cNvSpPr>
+            <a:spLocks noGrp="1"/>
+          </p:cNvSpPr>
+          <p:nvPr>
+            <p:ph type="sldNum" sz="quarter" idx="12"/>
+          </p:nvPr>
+        </p:nvSpPr>
+        <p:spPr/>
+        <p:txBody>
+          <a:bodyPr/>
+          <a:lstStyle/>
+          <a:p>
+            <a:fld id="{2A013F82-EE5E-44EE-A61D-E31C6657F26F}" type="slidenum">
+              <a:rPr lang="en-US" smtClean="0"/>
+              <a:pPr/>
+              <a:t>21</a:t>
+            </a:fld>
+            <a:r>
+              <a:rPr lang="en-US" smtClean="0"/>
+              <a:t> of 21</a:t>
+            </a:r>
+            <a:endParaRPr lang="en-US" dirty="0"/>
+          </a:p>
+        </p:txBody>
+      </p:sp>
+    </p:spTree>
+    <p:extLst>
+      <p:ext uri="{BB962C8B-B14F-4D97-AF65-F5344CB8AC3E}">
+        <p14:creationId xmlns:p14="http://schemas.microsoft.com/office/powerpoint/2010/main" val="601928158"/>
+      </p:ext>
+    </p:extLst>
+  </p:cSld>
+  <p:clrMapOvr>
+    <a:masterClrMapping/>
+  </p:clrMapOvr>
+  <mc:AlternateContent xmlns:mc="http://schemas.openxmlformats.org/markup-compatibility/2006" xmlns:p14="http://schemas.microsoft.com/office/powerpoint/2010/main">
+    <mc:Choice Requires="p14">
+      <p:transition spd="med" p14:dur="700">
+        <p:fade/>
+      </p:transition>
+    </mc:Choice>
+    <mc:Fallback xmlns="">
+      <p:transition spd="med">
+        <p:fade/>
+      </p:transition>
+    </mc:Fallback>
+  </mc:AlternateContent>
+</p:sld>
+</file>
+
+<file path=ppt/slides/slide22.xml><?xml version="1.0" encoding="utf-8"?>
+<p:sld xmlns:a="http://schemas.openxmlformats.org/drawingml/2006/main" xmlns:r="http://schemas.openxmlformats.org/officeDocument/2006/relationships" xmlns:p="http://schemas.openxmlformats.org/presentationml/2006/main">
+  <p:cSld>
+    <p:spTree>
+      <p:nvGrpSpPr>
+        <p:cNvPr id="1" name=""/>
+        <p:cNvGrpSpPr/>
+        <p:nvPr/>
+      </p:nvGrpSpPr>
+      <p:grpSpPr>
+        <a:xfrm>
+          <a:off x="0" y="0"/>
+          <a:ext cx="0" cy="0"/>
+          <a:chOff x="0" y="0"/>
+          <a:chExt cx="0" cy="0"/>
+        </a:xfrm>
+      </p:grpSpPr>
+      <p:sp>
+        <p:nvSpPr>
           <p:cNvPr id="2" name="Title 1">
             <a:extLst>
               <a:ext uri="{FF2B5EF4-FFF2-40B4-BE49-F238E27FC236}">
-                <a16:creationId xmlns:a16="http://schemas.microsoft.com/office/drawing/2014/main" xmlns="" id="{00ABE1A2-C152-4676-9578-186A057D6843}"/>
+                <a16:creationId xmlns="" xmlns:a16="http://schemas.microsoft.com/office/drawing/2014/main" id="{00ABE1A2-C152-4676-9578-186A057D6843}"/>
               </a:ext>
             </a:extLst>
           </p:cNvPr>
@@ -7504,7 +7734,7 @@
           <p:cNvPr id="6" name="Graphic 5" descr="Male profile">
             <a:extLst>
               <a:ext uri="{FF2B5EF4-FFF2-40B4-BE49-F238E27FC236}">
-                <a16:creationId xmlns:a16="http://schemas.microsoft.com/office/drawing/2014/main" xmlns="" id="{B972A0EC-F8E2-4601-82B4-17E1FA9DFC24}"/>
+                <a16:creationId xmlns="" xmlns:a16="http://schemas.microsoft.com/office/drawing/2014/main" id="{B972A0EC-F8E2-4601-82B4-17E1FA9DFC24}"/>
               </a:ext>
             </a:extLst>
           </p:cNvPr>
@@ -7520,7 +7750,7 @@
                 <a14:useLocalDpi xmlns:a14="http://schemas.microsoft.com/office/drawing/2010/main" val="0"/>
               </a:ext>
               <a:ext uri="{96DAC541-7B7A-43D3-8B79-37D633B846F1}">
-                <asvg:svgBlip xmlns:asvg="http://schemas.microsoft.com/office/drawing/2016/SVG/main" xmlns="" r:embed="rId3"/>
+                <asvg:svgBlip xmlns="" xmlns:asvg="http://schemas.microsoft.com/office/drawing/2016/SVG/main" r:embed="rId3"/>
               </a:ext>
             </a:extLst>
           </a:blip>
@@ -7543,7 +7773,7 @@
           <p:cNvPr id="8" name="Graphic 7" descr="Male profile">
             <a:extLst>
               <a:ext uri="{FF2B5EF4-FFF2-40B4-BE49-F238E27FC236}">
-                <a16:creationId xmlns:a16="http://schemas.microsoft.com/office/drawing/2014/main" xmlns="" id="{2434FA12-75A3-4796-847B-D118B02DC1EF}"/>
+                <a16:creationId xmlns="" xmlns:a16="http://schemas.microsoft.com/office/drawing/2014/main" id="{2434FA12-75A3-4796-847B-D118B02DC1EF}"/>
               </a:ext>
             </a:extLst>
           </p:cNvPr>
@@ -7559,7 +7789,7 @@
                 <a14:useLocalDpi xmlns:a14="http://schemas.microsoft.com/office/drawing/2010/main" val="0"/>
               </a:ext>
               <a:ext uri="{96DAC541-7B7A-43D3-8B79-37D633B846F1}">
-                <asvg:svgBlip xmlns:asvg="http://schemas.microsoft.com/office/drawing/2016/SVG/main" xmlns="" r:embed="rId3"/>
+                <asvg:svgBlip xmlns="" xmlns:asvg="http://schemas.microsoft.com/office/drawing/2016/SVG/main" r:embed="rId3"/>
               </a:ext>
             </a:extLst>
           </a:blip>
@@ -7582,7 +7812,7 @@
           <p:cNvPr id="10" name="Text Placeholder 9">
             <a:extLst>
               <a:ext uri="{FF2B5EF4-FFF2-40B4-BE49-F238E27FC236}">
-                <a16:creationId xmlns:a16="http://schemas.microsoft.com/office/drawing/2014/main" xmlns="" id="{CDA55F93-1B4B-47C7-98F3-382722148CE9}"/>
+                <a16:creationId xmlns="" xmlns:a16="http://schemas.microsoft.com/office/drawing/2014/main" id="{CDA55F93-1B4B-47C7-98F3-382722148CE9}"/>
               </a:ext>
             </a:extLst>
           </p:cNvPr>
@@ -7623,7 +7853,7 @@
           <p:cNvPr id="11" name="Text Placeholder 9">
             <a:extLst>
               <a:ext uri="{FF2B5EF4-FFF2-40B4-BE49-F238E27FC236}">
-                <a16:creationId xmlns:a16="http://schemas.microsoft.com/office/drawing/2014/main" xmlns="" id="{43AD7926-D913-4FC8-B271-6C602663AB70}"/>
+                <a16:creationId xmlns="" xmlns:a16="http://schemas.microsoft.com/office/drawing/2014/main" id="{43AD7926-D913-4FC8-B271-6C602663AB70}"/>
               </a:ext>
             </a:extLst>
           </p:cNvPr>
@@ -7864,7 +8094,7 @@
           <p:cNvPr id="13" name="Slide Number Placeholder 12">
             <a:extLst>
               <a:ext uri="{FF2B5EF4-FFF2-40B4-BE49-F238E27FC236}">
-                <a16:creationId xmlns:a16="http://schemas.microsoft.com/office/drawing/2014/main" xmlns="" id="{5F14CB7B-3AD9-40E7-B6BF-76D865BCD86F}"/>
+                <a16:creationId xmlns="" xmlns:a16="http://schemas.microsoft.com/office/drawing/2014/main" id="{5F14CB7B-3AD9-40E7-B6BF-76D865BCD86F}"/>
               </a:ext>
             </a:extLst>
           </p:cNvPr>
@@ -7935,7 +8165,7 @@
           <p:cNvPr id="2" name="Title 1">
             <a:extLst>
               <a:ext uri="{FF2B5EF4-FFF2-40B4-BE49-F238E27FC236}">
-                <a16:creationId xmlns:a16="http://schemas.microsoft.com/office/drawing/2014/main" xmlns="" id="{973981C8-D9F7-4421-975F-64D5BD97EB0B}"/>
+                <a16:creationId xmlns="" xmlns:a16="http://schemas.microsoft.com/office/drawing/2014/main" id="{973981C8-D9F7-4421-975F-64D5BD97EB0B}"/>
               </a:ext>
             </a:extLst>
           </p:cNvPr>
@@ -7968,7 +8198,7 @@
           <p:cNvPr id="3" name="Text Placeholder 2">
             <a:extLst>
               <a:ext uri="{FF2B5EF4-FFF2-40B4-BE49-F238E27FC236}">
-                <a16:creationId xmlns:a16="http://schemas.microsoft.com/office/drawing/2014/main" xmlns="" id="{2A4D76D9-0F41-4F6F-B21E-1810BF58E828}"/>
+                <a16:creationId xmlns="" xmlns:a16="http://schemas.microsoft.com/office/drawing/2014/main" id="{2A4D76D9-0F41-4F6F-B21E-1810BF58E828}"/>
               </a:ext>
             </a:extLst>
           </p:cNvPr>
@@ -7993,7 +8223,7 @@
           <p:cNvPr id="6" name="Slide Number Placeholder 5">
             <a:extLst>
               <a:ext uri="{FF2B5EF4-FFF2-40B4-BE49-F238E27FC236}">
-                <a16:creationId xmlns:a16="http://schemas.microsoft.com/office/drawing/2014/main" xmlns="" id="{52DDB0B8-0FE5-4996-895F-61924B1C32CF}"/>
+                <a16:creationId xmlns="" xmlns:a16="http://schemas.microsoft.com/office/drawing/2014/main" id="{52DDB0B8-0FE5-4996-895F-61924B1C32CF}"/>
               </a:ext>
             </a:extLst>
           </p:cNvPr>
@@ -8064,7 +8294,7 @@
           <p:cNvPr id="2" name="Title 1">
             <a:extLst>
               <a:ext uri="{FF2B5EF4-FFF2-40B4-BE49-F238E27FC236}">
-                <a16:creationId xmlns:a16="http://schemas.microsoft.com/office/drawing/2014/main" xmlns="" id="{7C9291F9-A64F-4733-B41C-078B67C93D8A}"/>
+                <a16:creationId xmlns="" xmlns:a16="http://schemas.microsoft.com/office/drawing/2014/main" id="{7C9291F9-A64F-4733-B41C-078B67C93D8A}"/>
               </a:ext>
             </a:extLst>
           </p:cNvPr>
@@ -8099,7 +8329,7 @@
           <p:cNvPr id="3" name="Content Placeholder 2">
             <a:extLst>
               <a:ext uri="{FF2B5EF4-FFF2-40B4-BE49-F238E27FC236}">
-                <a16:creationId xmlns:a16="http://schemas.microsoft.com/office/drawing/2014/main" xmlns="" id="{BF24C20B-F45D-40A8-8139-E0B3F6AAB6B9}"/>
+                <a16:creationId xmlns="" xmlns:a16="http://schemas.microsoft.com/office/drawing/2014/main" id="{BF24C20B-F45D-40A8-8139-E0B3F6AAB6B9}"/>
               </a:ext>
             </a:extLst>
           </p:cNvPr>
@@ -8193,7 +8423,7 @@
           <p:cNvPr id="6" name="Picture 5">
             <a:extLst>
               <a:ext uri="{FF2B5EF4-FFF2-40B4-BE49-F238E27FC236}">
-                <a16:creationId xmlns:a16="http://schemas.microsoft.com/office/drawing/2014/main" xmlns="" id="{69735D8C-89E2-4202-9810-7A60E34B0768}"/>
+                <a16:creationId xmlns="" xmlns:a16="http://schemas.microsoft.com/office/drawing/2014/main" id="{69735D8C-89E2-4202-9810-7A60E34B0768}"/>
               </a:ext>
             </a:extLst>
           </p:cNvPr>
@@ -8245,7 +8475,7 @@
           <p:cNvPr id="7" name="Slide Number Placeholder 6">
             <a:extLst>
               <a:ext uri="{FF2B5EF4-FFF2-40B4-BE49-F238E27FC236}">
-                <a16:creationId xmlns:a16="http://schemas.microsoft.com/office/drawing/2014/main" xmlns="" id="{3E2B43B2-73D4-4264-89A4-F75D8A59444E}"/>
+                <a16:creationId xmlns="" xmlns:a16="http://schemas.microsoft.com/office/drawing/2014/main" id="{3E2B43B2-73D4-4264-89A4-F75D8A59444E}"/>
               </a:ext>
             </a:extLst>
           </p:cNvPr>
@@ -8285,7 +8515,7 @@
     <a:masterClrMapping/>
   </p:clrMapOvr>
   <mc:AlternateContent xmlns:mc="http://schemas.openxmlformats.org/markup-compatibility/2006">
-    <mc:Choice xmlns:p159="http://schemas.microsoft.com/office/powerpoint/2015/09/main" xmlns="" Requires="p159">
+    <mc:Choice xmlns="" xmlns:p159="http://schemas.microsoft.com/office/powerpoint/2015/09/main" Requires="p159">
       <p:transition xmlns:p14="http://schemas.microsoft.com/office/powerpoint/2010/main" spd="slow" p14:dur="2000">
         <p159:morph option="byObject"/>
       </p:transition>
@@ -8321,7 +8551,7 @@
           <p:cNvPr id="2" name="Title 1">
             <a:extLst>
               <a:ext uri="{FF2B5EF4-FFF2-40B4-BE49-F238E27FC236}">
-                <a16:creationId xmlns:a16="http://schemas.microsoft.com/office/drawing/2014/main" xmlns="" id="{77723A0F-1147-4373-84FF-A3E055407B7F}"/>
+                <a16:creationId xmlns="" xmlns:a16="http://schemas.microsoft.com/office/drawing/2014/main" id="{77723A0F-1147-4373-84FF-A3E055407B7F}"/>
               </a:ext>
             </a:extLst>
           </p:cNvPr>
@@ -8356,7 +8586,7 @@
           <p:cNvPr id="3" name="Content Placeholder 2">
             <a:extLst>
               <a:ext uri="{FF2B5EF4-FFF2-40B4-BE49-F238E27FC236}">
-                <a16:creationId xmlns:a16="http://schemas.microsoft.com/office/drawing/2014/main" xmlns="" id="{4971C385-5B31-4E87-8711-258803FBC1C3}"/>
+                <a16:creationId xmlns="" xmlns:a16="http://schemas.microsoft.com/office/drawing/2014/main" id="{4971C385-5B31-4E87-8711-258803FBC1C3}"/>
               </a:ext>
             </a:extLst>
           </p:cNvPr>
@@ -8397,7 +8627,7 @@
           <p:cNvPr id="6" name="Picture 5">
             <a:extLst>
               <a:ext uri="{FF2B5EF4-FFF2-40B4-BE49-F238E27FC236}">
-                <a16:creationId xmlns:a16="http://schemas.microsoft.com/office/drawing/2014/main" xmlns="" id="{7C5E0D0E-B8CC-469E-B18C-911FC0440E92}"/>
+                <a16:creationId xmlns="" xmlns:a16="http://schemas.microsoft.com/office/drawing/2014/main" id="{7C5E0D0E-B8CC-469E-B18C-911FC0440E92}"/>
               </a:ext>
             </a:extLst>
           </p:cNvPr>
@@ -8449,7 +8679,7 @@
           <p:cNvPr id="7" name="TextBox 6">
             <a:extLst>
               <a:ext uri="{FF2B5EF4-FFF2-40B4-BE49-F238E27FC236}">
-                <a16:creationId xmlns:a16="http://schemas.microsoft.com/office/drawing/2014/main" xmlns="" id="{60EEDE5F-CCE5-40BF-96E2-1DDA5996AF5B}"/>
+                <a16:creationId xmlns="" xmlns:a16="http://schemas.microsoft.com/office/drawing/2014/main" id="{60EEDE5F-CCE5-40BF-96E2-1DDA5996AF5B}"/>
               </a:ext>
             </a:extLst>
           </p:cNvPr>
@@ -8495,7 +8725,7 @@
           <p:cNvPr id="8" name="Slide Number Placeholder 7">
             <a:extLst>
               <a:ext uri="{FF2B5EF4-FFF2-40B4-BE49-F238E27FC236}">
-                <a16:creationId xmlns:a16="http://schemas.microsoft.com/office/drawing/2014/main" xmlns="" id="{4E8001E8-C816-4848-BD4E-92266800E616}"/>
+                <a16:creationId xmlns="" xmlns:a16="http://schemas.microsoft.com/office/drawing/2014/main" id="{4E8001E8-C816-4848-BD4E-92266800E616}"/>
               </a:ext>
             </a:extLst>
           </p:cNvPr>
@@ -8571,7 +8801,7 @@
           <p:cNvPr id="2" name="Title 1">
             <a:extLst>
               <a:ext uri="{FF2B5EF4-FFF2-40B4-BE49-F238E27FC236}">
-                <a16:creationId xmlns:a16="http://schemas.microsoft.com/office/drawing/2014/main" xmlns="" id="{C9E8DAFC-BCF8-434E-9398-720991DCA97E}"/>
+                <a16:creationId xmlns="" xmlns:a16="http://schemas.microsoft.com/office/drawing/2014/main" id="{C9E8DAFC-BCF8-434E-9398-720991DCA97E}"/>
               </a:ext>
             </a:extLst>
           </p:cNvPr>
@@ -8604,7 +8834,7 @@
           <p:cNvPr id="3" name="Text Placeholder 2">
             <a:extLst>
               <a:ext uri="{FF2B5EF4-FFF2-40B4-BE49-F238E27FC236}">
-                <a16:creationId xmlns:a16="http://schemas.microsoft.com/office/drawing/2014/main" xmlns="" id="{998B2ADB-4577-422B-A615-888526E980E3}"/>
+                <a16:creationId xmlns="" xmlns:a16="http://schemas.microsoft.com/office/drawing/2014/main" id="{998B2ADB-4577-422B-A615-888526E980E3}"/>
               </a:ext>
             </a:extLst>
           </p:cNvPr>
@@ -8629,7 +8859,7 @@
           <p:cNvPr id="6" name="Slide Number Placeholder 5">
             <a:extLst>
               <a:ext uri="{FF2B5EF4-FFF2-40B4-BE49-F238E27FC236}">
-                <a16:creationId xmlns:a16="http://schemas.microsoft.com/office/drawing/2014/main" xmlns="" id="{FBDA6BB8-017D-44E9-B5EE-E039A0102089}"/>
+                <a16:creationId xmlns="" xmlns:a16="http://schemas.microsoft.com/office/drawing/2014/main" id="{FBDA6BB8-017D-44E9-B5EE-E039A0102089}"/>
               </a:ext>
             </a:extLst>
           </p:cNvPr>
@@ -8700,7 +8930,7 @@
           <p:cNvPr id="2" name="Title 1">
             <a:extLst>
               <a:ext uri="{FF2B5EF4-FFF2-40B4-BE49-F238E27FC236}">
-                <a16:creationId xmlns:a16="http://schemas.microsoft.com/office/drawing/2014/main" xmlns="" id="{D44A46CF-0C91-4FF1-97D4-3C8726E88B96}"/>
+                <a16:creationId xmlns="" xmlns:a16="http://schemas.microsoft.com/office/drawing/2014/main" id="{D44A46CF-0C91-4FF1-97D4-3C8726E88B96}"/>
               </a:ext>
             </a:extLst>
           </p:cNvPr>
@@ -8735,7 +8965,7 @@
           <p:cNvPr id="3" name="Content Placeholder 2">
             <a:extLst>
               <a:ext uri="{FF2B5EF4-FFF2-40B4-BE49-F238E27FC236}">
-                <a16:creationId xmlns:a16="http://schemas.microsoft.com/office/drawing/2014/main" xmlns="" id="{2E4E5C30-20E7-4C92-9420-CE036D32006E}"/>
+                <a16:creationId xmlns="" xmlns:a16="http://schemas.microsoft.com/office/drawing/2014/main" id="{2E4E5C30-20E7-4C92-9420-CE036D32006E}"/>
               </a:ext>
             </a:extLst>
           </p:cNvPr>
@@ -8781,7 +9011,7 @@
           <p:cNvPr id="7" name="Content Placeholder 6">
             <a:extLst>
               <a:ext uri="{FF2B5EF4-FFF2-40B4-BE49-F238E27FC236}">
-                <a16:creationId xmlns:a16="http://schemas.microsoft.com/office/drawing/2014/main" xmlns="" id="{E133D6D8-A559-4395-A6AD-19191B991E7A}"/>
+                <a16:creationId xmlns="" xmlns:a16="http://schemas.microsoft.com/office/drawing/2014/main" id="{E133D6D8-A559-4395-A6AD-19191B991E7A}"/>
               </a:ext>
             </a:extLst>
           </p:cNvPr>
@@ -8834,7 +9064,7 @@
           <p:cNvPr id="6" name="Slide Number Placeholder 5">
             <a:extLst>
               <a:ext uri="{FF2B5EF4-FFF2-40B4-BE49-F238E27FC236}">
-                <a16:creationId xmlns:a16="http://schemas.microsoft.com/office/drawing/2014/main" xmlns="" id="{1C9D7785-ECE3-4B9D-849D-20069E2C95B0}"/>
+                <a16:creationId xmlns="" xmlns:a16="http://schemas.microsoft.com/office/drawing/2014/main" id="{1C9D7785-ECE3-4B9D-849D-20069E2C95B0}"/>
               </a:ext>
             </a:extLst>
           </p:cNvPr>
@@ -8874,7 +9104,7 @@
     <a:masterClrMapping/>
   </p:clrMapOvr>
   <mc:AlternateContent xmlns:mc="http://schemas.openxmlformats.org/markup-compatibility/2006">
-    <mc:Choice xmlns:p159="http://schemas.microsoft.com/office/powerpoint/2015/09/main" xmlns="" Requires="p159">
+    <mc:Choice xmlns="" xmlns:p159="http://schemas.microsoft.com/office/powerpoint/2015/09/main" Requires="p159">
       <p:transition xmlns:p14="http://schemas.microsoft.com/office/powerpoint/2010/main" spd="slow" p14:dur="2000">
         <p159:morph option="byObject"/>
       </p:transition>
@@ -8910,7 +9140,7 @@
           <p:cNvPr id="2" name="Title 1">
             <a:extLst>
               <a:ext uri="{FF2B5EF4-FFF2-40B4-BE49-F238E27FC236}">
-                <a16:creationId xmlns:a16="http://schemas.microsoft.com/office/drawing/2014/main" xmlns="" id="{F79CCA14-405F-4D19-B7D3-F92482D20819}"/>
+                <a16:creationId xmlns="" xmlns:a16="http://schemas.microsoft.com/office/drawing/2014/main" id="{F79CCA14-405F-4D19-B7D3-F92482D20819}"/>
               </a:ext>
             </a:extLst>
           </p:cNvPr>
@@ -8945,7 +9175,7 @@
           <p:cNvPr id="3" name="Content Placeholder 2">
             <a:extLst>
               <a:ext uri="{FF2B5EF4-FFF2-40B4-BE49-F238E27FC236}">
-                <a16:creationId xmlns:a16="http://schemas.microsoft.com/office/drawing/2014/main" xmlns="" id="{DE8BD9D2-E992-4FCC-BC06-062DEE21E072}"/>
+                <a16:creationId xmlns="" xmlns:a16="http://schemas.microsoft.com/office/drawing/2014/main" id="{DE8BD9D2-E992-4FCC-BC06-062DEE21E072}"/>
               </a:ext>
             </a:extLst>
           </p:cNvPr>
@@ -8997,7 +9227,7 @@
           <p:cNvPr id="6" name="Picture 5">
             <a:extLst>
               <a:ext uri="{FF2B5EF4-FFF2-40B4-BE49-F238E27FC236}">
-                <a16:creationId xmlns:a16="http://schemas.microsoft.com/office/drawing/2014/main" xmlns="" id="{0F872657-375D-4DC3-9EC3-B52CE44CCC2A}"/>
+                <a16:creationId xmlns="" xmlns:a16="http://schemas.microsoft.com/office/drawing/2014/main" id="{0F872657-375D-4DC3-9EC3-B52CE44CCC2A}"/>
               </a:ext>
             </a:extLst>
           </p:cNvPr>
@@ -9049,7 +9279,7 @@
           <p:cNvPr id="7" name="Slide Number Placeholder 6">
             <a:extLst>
               <a:ext uri="{FF2B5EF4-FFF2-40B4-BE49-F238E27FC236}">
-                <a16:creationId xmlns:a16="http://schemas.microsoft.com/office/drawing/2014/main" xmlns="" id="{1C03DE1D-306F-46A6-8C39-552F43EBF6D2}"/>
+                <a16:creationId xmlns="" xmlns:a16="http://schemas.microsoft.com/office/drawing/2014/main" id="{1C03DE1D-306F-46A6-8C39-552F43EBF6D2}"/>
               </a:ext>
             </a:extLst>
           </p:cNvPr>
@@ -9125,7 +9355,7 @@
           <p:cNvPr id="2" name="Title 1">
             <a:extLst>
               <a:ext uri="{FF2B5EF4-FFF2-40B4-BE49-F238E27FC236}">
-                <a16:creationId xmlns:a16="http://schemas.microsoft.com/office/drawing/2014/main" xmlns="" id="{A36E6D02-6D58-4ECE-AA0E-8C177F20059D}"/>
+                <a16:creationId xmlns="" xmlns:a16="http://schemas.microsoft.com/office/drawing/2014/main" id="{A36E6D02-6D58-4ECE-AA0E-8C177F20059D}"/>
               </a:ext>
             </a:extLst>
           </p:cNvPr>
@@ -9158,7 +9388,7 @@
           <p:cNvPr id="3" name="Text Placeholder 2">
             <a:extLst>
               <a:ext uri="{FF2B5EF4-FFF2-40B4-BE49-F238E27FC236}">
-                <a16:creationId xmlns:a16="http://schemas.microsoft.com/office/drawing/2014/main" xmlns="" id="{873AD796-EBDC-4D37-B2B8-1E7656D37701}"/>
+                <a16:creationId xmlns="" xmlns:a16="http://schemas.microsoft.com/office/drawing/2014/main" id="{873AD796-EBDC-4D37-B2B8-1E7656D37701}"/>
               </a:ext>
             </a:extLst>
           </p:cNvPr>
@@ -9183,7 +9413,7 @@
           <p:cNvPr id="6" name="Slide Number Placeholder 5">
             <a:extLst>
               <a:ext uri="{FF2B5EF4-FFF2-40B4-BE49-F238E27FC236}">
-                <a16:creationId xmlns:a16="http://schemas.microsoft.com/office/drawing/2014/main" xmlns="" id="{FB338C93-36D7-42A4-A7AB-9A7CABF27729}"/>
+                <a16:creationId xmlns="" xmlns:a16="http://schemas.microsoft.com/office/drawing/2014/main" id="{FB338C93-36D7-42A4-A7AB-9A7CABF27729}"/>
               </a:ext>
             </a:extLst>
           </p:cNvPr>
